--- a/fig/website-dependencies-v01.pptx
+++ b/fig/website-dependencies-v01.pptx
@@ -3786,14 +3786,14 @@
       </p:grpSpPr>
       <p:sp>
         <p:nvSpPr>
-          <p:cNvPr id="53" name="Rectangle 52"/>
+          <p:cNvPr id="107" name="Rectangle 106"/>
           <p:cNvSpPr/>
           <p:nvPr/>
         </p:nvSpPr>
         <p:spPr>
           <a:xfrm>
-            <a:off x="4574413" y="447979"/>
-            <a:ext cx="2345050" cy="4133557"/>
+            <a:off x="892615" y="2741721"/>
+            <a:ext cx="1968405" cy="1836812"/>
           </a:xfrm>
           <a:prstGeom prst="rect">
             <a:avLst/>
@@ -3842,7 +3842,7 @@
                 <a:ea typeface="Open Sans Light" charset="0"/>
                 <a:cs typeface="Open Sans Light" charset="0"/>
               </a:rPr>
-              <a:t>_site folder</a:t>
+              <a:t>_includes folder</a:t>
             </a:r>
             <a:endParaRPr lang="en-US" sz="1800" dirty="0">
               <a:latin typeface="Open Sans Light" charset="0"/>
@@ -3854,14 +3854,14 @@
       </p:sp>
       <p:sp>
         <p:nvSpPr>
-          <p:cNvPr id="51" name="Rectangle 50"/>
+          <p:cNvPr id="53" name="Rectangle 52"/>
           <p:cNvSpPr/>
           <p:nvPr/>
         </p:nvSpPr>
         <p:spPr>
           <a:xfrm>
-            <a:off x="6573647" y="4793079"/>
-            <a:ext cx="1851548" cy="2401890"/>
+            <a:off x="4468135" y="460807"/>
+            <a:ext cx="2656592" cy="5942374"/>
           </a:xfrm>
           <a:prstGeom prst="rect">
             <a:avLst/>
@@ -3910,7 +3910,7 @@
                 <a:ea typeface="Open Sans Light" charset="0"/>
                 <a:cs typeface="Open Sans Light" charset="0"/>
               </a:rPr>
-              <a:t>default.html</a:t>
+              <a:t>_site folder</a:t>
             </a:r>
             <a:endParaRPr lang="en-US" sz="1800" dirty="0">
               <a:latin typeface="Open Sans Light" charset="0"/>
@@ -3992,399 +3992,14 @@
       </p:sp>
       <p:sp>
         <p:nvSpPr>
-          <p:cNvPr id="152" name="Rounded Rectangle 151"/>
-          <p:cNvSpPr/>
-          <p:nvPr/>
-        </p:nvSpPr>
-        <p:spPr>
-          <a:xfrm>
-            <a:off x="4440635" y="3257292"/>
-            <a:ext cx="1418831" cy="345044"/>
-          </a:xfrm>
-          <a:prstGeom prst="roundRect">
-            <a:avLst/>
-          </a:prstGeom>
-          <a:noFill/>
-          <a:ln>
-            <a:noFill/>
-          </a:ln>
-          <a:effectLst/>
-        </p:spPr>
-        <p:style>
-          <a:lnRef idx="1">
-            <a:schemeClr val="accent1"/>
-          </a:lnRef>
-          <a:fillRef idx="3">
-            <a:schemeClr val="accent1"/>
-          </a:fillRef>
-          <a:effectRef idx="2">
-            <a:schemeClr val="accent1"/>
-          </a:effectRef>
-          <a:fontRef idx="minor">
-            <a:schemeClr val="lt1"/>
-          </a:fontRef>
-        </p:style>
-        <p:txBody>
-          <a:bodyPr anchor="b"/>
-          <a:lstStyle/>
-          <a:p>
-            <a:pPr algn="r"/>
-            <a:r>
-              <a:rPr lang="en-US" sz="600" dirty="0" smtClean="0">
-                <a:solidFill>
-                  <a:schemeClr val="bg1">
-                    <a:lumMod val="75000"/>
-                  </a:schemeClr>
-                </a:solidFill>
-                <a:latin typeface="Open Sans Light"/>
-                <a:cs typeface="Open Sans Light"/>
-              </a:rPr>
-              <a:t>website-dependencies-v01.pptx.</a:t>
-            </a:r>
-          </a:p>
-          <a:p>
-            <a:pPr algn="r"/>
-            <a:r>
-              <a:rPr lang="en-US" sz="600" dirty="0" smtClean="0">
-                <a:solidFill>
-                  <a:schemeClr val="bg1">
-                    <a:lumMod val="75000"/>
-                  </a:schemeClr>
-                </a:solidFill>
-                <a:latin typeface="Open Sans Light"/>
-                <a:cs typeface="Open Sans Light"/>
-              </a:rPr>
-              <a:t>Copyright </a:t>
-            </a:r>
-            <a:r>
-              <a:rPr lang="en-US" sz="600" dirty="0" smtClean="0">
-                <a:solidFill>
-                  <a:schemeClr val="bg1">
-                    <a:lumMod val="75000"/>
-                  </a:schemeClr>
-                </a:solidFill>
-                <a:latin typeface="Open Sans Light"/>
-                <a:cs typeface="Open Sans Light"/>
-              </a:rPr>
-              <a:t>2016 Wilson Mar. </a:t>
-            </a:r>
-            <a:br>
-              <a:rPr lang="en-US" sz="600" dirty="0" smtClean="0">
-                <a:solidFill>
-                  <a:schemeClr val="bg1">
-                    <a:lumMod val="75000"/>
-                  </a:schemeClr>
-                </a:solidFill>
-                <a:latin typeface="Open Sans Light"/>
-                <a:cs typeface="Open Sans Light"/>
-              </a:rPr>
-            </a:br>
-            <a:r>
-              <a:rPr lang="en-US" sz="600" dirty="0" smtClean="0">
-                <a:solidFill>
-                  <a:schemeClr val="bg1">
-                    <a:lumMod val="75000"/>
-                  </a:schemeClr>
-                </a:solidFill>
-                <a:latin typeface="Open Sans Light"/>
-                <a:cs typeface="Open Sans Light"/>
-              </a:rPr>
-              <a:t>All rights reserved.</a:t>
-            </a:r>
-            <a:endParaRPr lang="en-US" sz="600" dirty="0">
-              <a:solidFill>
-                <a:schemeClr val="bg1">
-                  <a:lumMod val="75000"/>
-                </a:schemeClr>
-              </a:solidFill>
-              <a:latin typeface="Open Sans Light"/>
-              <a:cs typeface="Open Sans Light"/>
-            </a:endParaRPr>
-          </a:p>
-        </p:txBody>
-      </p:sp>
-      <p:sp>
-        <p:nvSpPr>
-          <p:cNvPr id="47" name="Rectangle 46"/>
-          <p:cNvSpPr/>
-          <p:nvPr/>
-        </p:nvSpPr>
-        <p:spPr>
-          <a:xfrm>
-            <a:off x="2121133" y="1579408"/>
-            <a:ext cx="779142" cy="405098"/>
-          </a:xfrm>
-          <a:prstGeom prst="rect">
-            <a:avLst/>
-          </a:prstGeom>
-          <a:solidFill>
-            <a:schemeClr val="accent3"/>
-          </a:solidFill>
-          <a:ln>
-            <a:solidFill>
-              <a:schemeClr val="bg1"/>
-            </a:solidFill>
-          </a:ln>
-        </p:spPr>
-        <p:style>
-          <a:lnRef idx="2">
-            <a:schemeClr val="accent1">
-              <a:shade val="50000"/>
-            </a:schemeClr>
-          </a:lnRef>
-          <a:fillRef idx="1">
-            <a:schemeClr val="accent1"/>
-          </a:fillRef>
-          <a:effectRef idx="0">
-            <a:schemeClr val="accent1"/>
-          </a:effectRef>
-          <a:fontRef idx="minor">
-            <a:schemeClr val="lt1"/>
-          </a:fontRef>
-        </p:style>
-        <p:txBody>
-          <a:bodyPr lIns="68681" tIns="34340" rIns="68681" bIns="34340" anchor="ctr"/>
-          <a:lstStyle/>
-          <a:p>
-            <a:pPr algn="ctr" defTabSz="343403" eaLnBrk="1" fontAlgn="auto" hangingPunct="1">
-              <a:spcBef>
-                <a:spcPts val="0"/>
-              </a:spcBef>
-              <a:spcAft>
-                <a:spcPts val="0"/>
-              </a:spcAft>
-              <a:defRPr/>
-            </a:pPr>
-            <a:r>
-              <a:rPr lang="en-US" sz="1800" dirty="0" smtClean="0">
-                <a:latin typeface="Open Sans Light" charset="0"/>
-                <a:ea typeface="Open Sans Light" charset="0"/>
-                <a:cs typeface="Open Sans Light" charset="0"/>
-              </a:rPr>
-              <a:t>CSS</a:t>
-            </a:r>
-            <a:endParaRPr lang="en-US" sz="1800" dirty="0">
-              <a:latin typeface="Open Sans Light" charset="0"/>
-              <a:ea typeface="Open Sans Light" charset="0"/>
-              <a:cs typeface="Open Sans Light" charset="0"/>
-            </a:endParaRPr>
-          </a:p>
-        </p:txBody>
-      </p:sp>
-      <p:sp>
-        <p:nvSpPr>
-          <p:cNvPr id="49" name="Rectangle 48"/>
-          <p:cNvSpPr/>
-          <p:nvPr/>
-        </p:nvSpPr>
-        <p:spPr>
-          <a:xfrm>
-            <a:off x="6752062" y="5271338"/>
-            <a:ext cx="1433828" cy="1331074"/>
-          </a:xfrm>
-          <a:prstGeom prst="rect">
-            <a:avLst/>
-          </a:prstGeom>
-          <a:solidFill>
-            <a:schemeClr val="accent2"/>
-          </a:solidFill>
-          <a:ln>
-            <a:solidFill>
-              <a:schemeClr val="bg1"/>
-            </a:solidFill>
-          </a:ln>
-        </p:spPr>
-        <p:style>
-          <a:lnRef idx="2">
-            <a:schemeClr val="accent1">
-              <a:shade val="50000"/>
-            </a:schemeClr>
-          </a:lnRef>
-          <a:fillRef idx="1">
-            <a:schemeClr val="accent1"/>
-          </a:fillRef>
-          <a:effectRef idx="0">
-            <a:schemeClr val="accent1"/>
-          </a:effectRef>
-          <a:fontRef idx="minor">
-            <a:schemeClr val="lt1"/>
-          </a:fontRef>
-        </p:style>
-        <p:txBody>
-          <a:bodyPr lIns="68681" tIns="34340" rIns="68681" bIns="34340" anchor="b"/>
-          <a:lstStyle/>
-          <a:p>
-            <a:pPr defTabSz="343403" eaLnBrk="1" fontAlgn="auto" hangingPunct="1">
-              <a:spcBef>
-                <a:spcPts val="0"/>
-              </a:spcBef>
-              <a:spcAft>
-                <a:spcPts val="0"/>
-              </a:spcAft>
-              <a:defRPr/>
-            </a:pPr>
-            <a:r>
-              <a:rPr lang="en-US" dirty="0" smtClean="0">
-                <a:latin typeface="Open Sans Light" charset="0"/>
-                <a:ea typeface="Open Sans Light" charset="0"/>
-                <a:cs typeface="Open Sans Light" charset="0"/>
-              </a:rPr>
-              <a:t>form</a:t>
-            </a:r>
-            <a:endParaRPr lang="en-US" sz="1800" dirty="0">
-              <a:latin typeface="Open Sans Light" charset="0"/>
-              <a:ea typeface="Open Sans Light" charset="0"/>
-              <a:cs typeface="Open Sans Light" charset="0"/>
-            </a:endParaRPr>
-          </a:p>
-        </p:txBody>
-      </p:sp>
-      <p:sp>
-        <p:nvSpPr>
-          <p:cNvPr id="48" name="Rectangle 47"/>
-          <p:cNvSpPr/>
-          <p:nvPr/>
-        </p:nvSpPr>
-        <p:spPr>
-          <a:xfrm>
-            <a:off x="6883036" y="5428705"/>
-            <a:ext cx="1156326" cy="849669"/>
-          </a:xfrm>
-          <a:prstGeom prst="rect">
-            <a:avLst/>
-          </a:prstGeom>
-          <a:solidFill>
-            <a:schemeClr val="accent6"/>
-          </a:solidFill>
-          <a:ln>
-            <a:solidFill>
-              <a:schemeClr val="bg1"/>
-            </a:solidFill>
-          </a:ln>
-        </p:spPr>
-        <p:style>
-          <a:lnRef idx="2">
-            <a:schemeClr val="accent1">
-              <a:shade val="50000"/>
-            </a:schemeClr>
-          </a:lnRef>
-          <a:fillRef idx="1">
-            <a:schemeClr val="accent1"/>
-          </a:fillRef>
-          <a:effectRef idx="0">
-            <a:schemeClr val="accent1"/>
-          </a:effectRef>
-          <a:fontRef idx="minor">
-            <a:schemeClr val="lt1"/>
-          </a:fontRef>
-        </p:style>
-        <p:txBody>
-          <a:bodyPr lIns="68681" tIns="34340" rIns="68681" bIns="34340" anchor="b"/>
-          <a:lstStyle/>
-          <a:p>
-            <a:pPr defTabSz="343403" eaLnBrk="1" fontAlgn="auto" hangingPunct="1">
-              <a:spcBef>
-                <a:spcPts val="0"/>
-              </a:spcBef>
-              <a:spcAft>
-                <a:spcPts val="0"/>
-              </a:spcAft>
-              <a:defRPr/>
-            </a:pPr>
-            <a:r>
-              <a:rPr lang="en-US" sz="1800" dirty="0" smtClean="0">
-                <a:latin typeface="Open Sans Light" charset="0"/>
-                <a:ea typeface="Open Sans Light" charset="0"/>
-                <a:cs typeface="Open Sans Light" charset="0"/>
-              </a:rPr>
-              <a:t>input</a:t>
-            </a:r>
-            <a:endParaRPr lang="en-US" sz="1800" dirty="0">
-              <a:latin typeface="Open Sans Light" charset="0"/>
-              <a:ea typeface="Open Sans Light" charset="0"/>
-              <a:cs typeface="Open Sans Light" charset="0"/>
-            </a:endParaRPr>
-          </a:p>
-        </p:txBody>
-      </p:sp>
-      <p:sp>
-        <p:nvSpPr>
-          <p:cNvPr id="52" name="Rectangle 51"/>
-          <p:cNvSpPr/>
-          <p:nvPr/>
-        </p:nvSpPr>
-        <p:spPr>
-          <a:xfrm>
-            <a:off x="7035435" y="5586226"/>
-            <a:ext cx="825101" cy="363596"/>
-          </a:xfrm>
-          <a:prstGeom prst="rect">
-            <a:avLst/>
-          </a:prstGeom>
-          <a:solidFill>
-            <a:schemeClr val="accent6"/>
-          </a:solidFill>
-          <a:ln>
-            <a:solidFill>
-              <a:schemeClr val="bg1"/>
-            </a:solidFill>
-          </a:ln>
-        </p:spPr>
-        <p:style>
-          <a:lnRef idx="2">
-            <a:schemeClr val="accent1">
-              <a:shade val="50000"/>
-            </a:schemeClr>
-          </a:lnRef>
-          <a:fillRef idx="1">
-            <a:schemeClr val="accent1"/>
-          </a:fillRef>
-          <a:effectRef idx="0">
-            <a:schemeClr val="accent1"/>
-          </a:effectRef>
-          <a:fontRef idx="minor">
-            <a:schemeClr val="lt1"/>
-          </a:fontRef>
-        </p:style>
-        <p:txBody>
-          <a:bodyPr lIns="68681" tIns="34340" rIns="68681" bIns="34340" anchor="b"/>
-          <a:lstStyle/>
-          <a:p>
-            <a:pPr defTabSz="343403" eaLnBrk="1" fontAlgn="auto" hangingPunct="1">
-              <a:spcBef>
-                <a:spcPts val="0"/>
-              </a:spcBef>
-              <a:spcAft>
-                <a:spcPts val="0"/>
-              </a:spcAft>
-              <a:defRPr/>
-            </a:pPr>
-            <a:r>
-              <a:rPr lang="en-US" sz="1800" dirty="0" smtClean="0">
-                <a:latin typeface="Open Sans Light" charset="0"/>
-                <a:ea typeface="Open Sans Light" charset="0"/>
-                <a:cs typeface="Open Sans Light" charset="0"/>
-              </a:rPr>
-              <a:t>click</a:t>
-            </a:r>
-            <a:endParaRPr lang="en-US" sz="1800" dirty="0">
-              <a:latin typeface="Open Sans Light" charset="0"/>
-              <a:ea typeface="Open Sans Light" charset="0"/>
-              <a:cs typeface="Open Sans Light" charset="0"/>
-            </a:endParaRPr>
-          </a:p>
-        </p:txBody>
-      </p:sp>
-      <p:sp>
-        <p:nvSpPr>
           <p:cNvPr id="56" name="Rectangle 55"/>
           <p:cNvSpPr/>
           <p:nvPr/>
         </p:nvSpPr>
         <p:spPr>
           <a:xfrm>
-            <a:off x="3534349" y="4797723"/>
-            <a:ext cx="960082" cy="439854"/>
+            <a:off x="892615" y="513632"/>
+            <a:ext cx="2124668" cy="1324605"/>
           </a:xfrm>
           <a:prstGeom prst="rect">
             <a:avLst/>
@@ -4415,7 +4030,7 @@
           </a:fontRef>
         </p:style>
         <p:txBody>
-          <a:bodyPr lIns="68681" tIns="34340" rIns="68681" bIns="34340" anchor="ctr"/>
+          <a:bodyPr lIns="68681" tIns="34340" rIns="68681" bIns="34340" anchor="b"/>
           <a:lstStyle/>
           <a:p>
             <a:pPr defTabSz="343403" eaLnBrk="1" fontAlgn="auto" hangingPunct="1">
@@ -4451,8 +4066,8 @@
         </p:nvSpPr>
         <p:spPr>
           <a:xfrm>
-            <a:off x="1608923" y="2647460"/>
-            <a:ext cx="1714526" cy="1934076"/>
+            <a:off x="892615" y="4694931"/>
+            <a:ext cx="1565723" cy="1708249"/>
           </a:xfrm>
           <a:prstGeom prst="rect">
             <a:avLst/>
@@ -4519,7 +4134,7 @@
         </p:nvSpPr>
         <p:spPr>
           <a:xfrm>
-            <a:off x="7107291" y="799663"/>
+            <a:off x="7286897" y="812491"/>
             <a:ext cx="1019657" cy="439854"/>
           </a:xfrm>
           <a:prstGeom prst="rect">
@@ -4579,46 +4194,6 @@
           </a:p>
         </p:txBody>
       </p:sp>
-      <p:cxnSp>
-        <p:nvCxnSpPr>
-          <p:cNvPr id="59" name="Straight Connector 157"/>
-          <p:cNvCxnSpPr>
-            <a:endCxn id="47" idx="0"/>
-          </p:cNvCxnSpPr>
-          <p:nvPr/>
-        </p:nvCxnSpPr>
-        <p:spPr>
-          <a:xfrm flipH="1">
-            <a:off x="2510704" y="928123"/>
-            <a:ext cx="659923" cy="651285"/>
-          </a:xfrm>
-          <a:prstGeom prst="straightConnector1">
-            <a:avLst/>
-          </a:prstGeom>
-          <a:ln w="25400">
-            <a:solidFill>
-              <a:schemeClr val="tx1"/>
-            </a:solidFill>
-            <a:prstDash val="solid"/>
-            <a:headEnd type="none" w="lg" len="lg"/>
-            <a:tailEnd type="triangle" w="lg" len="lg"/>
-          </a:ln>
-        </p:spPr>
-        <p:style>
-          <a:lnRef idx="1">
-            <a:schemeClr val="accent1"/>
-          </a:lnRef>
-          <a:fillRef idx="0">
-            <a:schemeClr val="accent1"/>
-          </a:fillRef>
-          <a:effectRef idx="0">
-            <a:schemeClr val="accent1"/>
-          </a:effectRef>
-          <a:fontRef idx="minor">
-            <a:schemeClr val="tx1"/>
-          </a:fontRef>
-        </p:style>
-      </p:cxnSp>
       <p:sp>
         <p:nvSpPr>
           <p:cNvPr id="62" name="Rectangle 61"/>
@@ -4627,8 +4202,8 @@
         </p:nvSpPr>
         <p:spPr>
           <a:xfrm>
-            <a:off x="4771948" y="842870"/>
-            <a:ext cx="2016617" cy="2643582"/>
+            <a:off x="4894692" y="855698"/>
+            <a:ext cx="1935299" cy="4444111"/>
           </a:xfrm>
           <a:prstGeom prst="rect">
             <a:avLst/>
@@ -4697,8 +4272,8 @@
         </p:nvSpPr>
         <p:spPr>
           <a:xfrm>
-            <a:off x="4945146" y="2466361"/>
-            <a:ext cx="1687112" cy="824636"/>
+            <a:off x="5043176" y="3984469"/>
+            <a:ext cx="1630507" cy="824636"/>
           </a:xfrm>
           <a:prstGeom prst="rect">
             <a:avLst/>
@@ -4782,8 +4357,8 @@
         </p:nvSpPr>
         <p:spPr>
           <a:xfrm>
-            <a:off x="7116094" y="1612094"/>
-            <a:ext cx="1617564" cy="1481922"/>
+            <a:off x="7347016" y="1458157"/>
+            <a:ext cx="1517946" cy="2938630"/>
           </a:xfrm>
           <a:prstGeom prst="rect">
             <a:avLst/>
@@ -4850,7 +4425,7 @@
         </p:nvSpPr>
         <p:spPr>
           <a:xfrm>
-            <a:off x="7331292" y="2524659"/>
+            <a:off x="7497638" y="3704520"/>
             <a:ext cx="1197229" cy="429405"/>
           </a:xfrm>
           <a:prstGeom prst="can">
@@ -4896,7 +4471,7 @@
         </p:nvSpPr>
         <p:spPr>
           <a:xfrm>
-            <a:off x="7331293" y="2535155"/>
+            <a:off x="7484379" y="3715016"/>
             <a:ext cx="1197228" cy="471389"/>
           </a:xfrm>
           <a:prstGeom prst="roundRect">
@@ -4933,10 +4508,6 @@
               </a:rPr>
               <a:t>algolia.js</a:t>
             </a:r>
-            <a:endParaRPr lang="en-US" dirty="0">
-              <a:latin typeface="Open Sans Light"/>
-              <a:cs typeface="Open Sans Light"/>
-            </a:endParaRPr>
           </a:p>
         </p:txBody>
       </p:sp>
@@ -4948,7 +4519,7 @@
         </p:nvSpPr>
         <p:spPr>
           <a:xfrm>
-            <a:off x="5057762" y="2550900"/>
+            <a:off x="5099188" y="4069008"/>
             <a:ext cx="1414657" cy="379735"/>
           </a:xfrm>
           <a:prstGeom prst="rect">
@@ -5016,8 +4587,8 @@
         </p:nvSpPr>
         <p:spPr>
           <a:xfrm>
-            <a:off x="4952812" y="1234788"/>
-            <a:ext cx="1679446" cy="1116116"/>
+            <a:off x="5050586" y="1247616"/>
+            <a:ext cx="1623098" cy="1116116"/>
           </a:xfrm>
           <a:prstGeom prst="rect">
             <a:avLst/>
@@ -5093,8 +4664,8 @@
         </p:nvCxnSpPr>
         <p:spPr>
           <a:xfrm flipH="1">
-            <a:off x="6472419" y="2739362"/>
-            <a:ext cx="858873" cy="1406"/>
+            <a:off x="6513845" y="3919223"/>
+            <a:ext cx="983793" cy="339653"/>
           </a:xfrm>
           <a:prstGeom prst="straightConnector1">
             <a:avLst/>
@@ -5123,85 +4694,15 @@
           </a:fontRef>
         </p:style>
       </p:cxnSp>
-      <p:sp>
-        <p:nvSpPr>
-          <p:cNvPr id="107" name="Rectangle 106"/>
-          <p:cNvSpPr/>
-          <p:nvPr/>
-        </p:nvSpPr>
-        <p:spPr>
-          <a:xfrm>
-            <a:off x="1074631" y="437041"/>
-            <a:ext cx="2248818" cy="2161574"/>
-          </a:xfrm>
-          <a:prstGeom prst="rect">
-            <a:avLst/>
-          </a:prstGeom>
-          <a:solidFill>
-            <a:schemeClr val="accent1"/>
-          </a:solidFill>
-          <a:ln>
-            <a:solidFill>
-              <a:schemeClr val="bg1"/>
-            </a:solidFill>
-          </a:ln>
-        </p:spPr>
-        <p:style>
-          <a:lnRef idx="2">
-            <a:schemeClr val="accent1">
-              <a:shade val="50000"/>
-            </a:schemeClr>
-          </a:lnRef>
-          <a:fillRef idx="1">
-            <a:schemeClr val="accent1"/>
-          </a:fillRef>
-          <a:effectRef idx="0">
-            <a:schemeClr val="accent1"/>
-          </a:effectRef>
-          <a:fontRef idx="minor">
-            <a:schemeClr val="lt1"/>
-          </a:fontRef>
-        </p:style>
-        <p:txBody>
-          <a:bodyPr lIns="68681" tIns="34340" rIns="68681" bIns="34340" anchor="t"/>
-          <a:lstStyle/>
-          <a:p>
-            <a:pPr defTabSz="343403" eaLnBrk="1" fontAlgn="auto" hangingPunct="1">
-              <a:spcBef>
-                <a:spcPts val="0"/>
-              </a:spcBef>
-              <a:spcAft>
-                <a:spcPts val="0"/>
-              </a:spcAft>
-              <a:defRPr/>
-            </a:pPr>
-            <a:r>
-              <a:rPr lang="en-US" dirty="0" smtClean="0">
-                <a:latin typeface="Open Sans Light" charset="0"/>
-                <a:ea typeface="Open Sans Light" charset="0"/>
-                <a:cs typeface="Open Sans Light" charset="0"/>
-              </a:rPr>
-              <a:t>_includes</a:t>
-            </a:r>
-            <a:endParaRPr lang="en-US" sz="1800" dirty="0">
-              <a:latin typeface="Open Sans Light" charset="0"/>
-              <a:ea typeface="Open Sans Light" charset="0"/>
-              <a:cs typeface="Open Sans Light" charset="0"/>
-            </a:endParaRPr>
-          </a:p>
-        </p:txBody>
-      </p:sp>
       <p:cxnSp>
         <p:nvCxnSpPr>
           <p:cNvPr id="115" name="Straight Connector 157"/>
-          <p:cNvCxnSpPr>
-            <a:endCxn id="58" idx="1"/>
-          </p:cNvCxnSpPr>
+          <p:cNvCxnSpPr/>
           <p:nvPr/>
         </p:nvCxnSpPr>
         <p:spPr>
           <a:xfrm>
-            <a:off x="6602954" y="1019590"/>
+            <a:off x="6672814" y="1032418"/>
             <a:ext cx="504337" cy="0"/>
           </a:xfrm>
           <a:prstGeom prst="straightConnector1">
@@ -5239,7 +4740,7 @@
         </p:nvSpPr>
         <p:spPr>
           <a:xfrm>
-            <a:off x="7314543" y="1996698"/>
+            <a:off x="7494149" y="1842762"/>
             <a:ext cx="1148366" cy="429405"/>
           </a:xfrm>
           <a:prstGeom prst="can">
@@ -5286,7 +4787,7 @@
         </p:nvSpPr>
         <p:spPr>
           <a:xfrm>
-            <a:off x="7304774" y="2007194"/>
+            <a:off x="7522070" y="1853258"/>
             <a:ext cx="1148366" cy="471389"/>
           </a:xfrm>
           <a:prstGeom prst="roundRect">
@@ -5339,7 +4840,7 @@
         </p:nvSpPr>
         <p:spPr>
           <a:xfrm>
-            <a:off x="5233685" y="1961393"/>
+            <a:off x="5275111" y="1974221"/>
             <a:ext cx="1164238" cy="369332"/>
           </a:xfrm>
           <a:prstGeom prst="rect">
@@ -5369,8 +4870,8 @@
         </p:nvSpPr>
         <p:spPr>
           <a:xfrm>
-            <a:off x="1240709" y="792191"/>
-            <a:ext cx="1932188" cy="800366"/>
+            <a:off x="1046096" y="3095051"/>
+            <a:ext cx="1651689" cy="398594"/>
           </a:xfrm>
           <a:prstGeom prst="rect">
             <a:avLst/>
@@ -5403,7 +4904,7 @@
           </a:fontRef>
         </p:style>
         <p:txBody>
-          <a:bodyPr lIns="68681" tIns="34340" rIns="68681" bIns="34340" anchor="t"/>
+          <a:bodyPr lIns="68681" tIns="34340" rIns="68681" bIns="34340" anchor="ctr"/>
           <a:lstStyle/>
           <a:p>
             <a:pPr defTabSz="343403" eaLnBrk="1" fontAlgn="auto" hangingPunct="1">
@@ -5445,7 +4946,7 @@
         </p:nvSpPr>
         <p:spPr>
           <a:xfrm>
-            <a:off x="5080170" y="1555906"/>
+            <a:off x="5121596" y="1568734"/>
             <a:ext cx="1392249" cy="382878"/>
           </a:xfrm>
           <a:prstGeom prst="rect">
@@ -5515,9 +5016,9 @@
           <p:nvPr/>
         </p:nvCxnSpPr>
         <p:spPr>
-          <a:xfrm>
-            <a:off x="3172897" y="1192374"/>
-            <a:ext cx="1779915" cy="600472"/>
+          <a:xfrm flipV="1">
+            <a:off x="2697785" y="1805674"/>
+            <a:ext cx="2352801" cy="1488674"/>
           </a:xfrm>
           <a:prstGeom prst="straightConnector1">
             <a:avLst/>
@@ -5554,8 +5055,8 @@
         </p:nvSpPr>
         <p:spPr>
           <a:xfrm>
-            <a:off x="1240709" y="1685804"/>
-            <a:ext cx="1922418" cy="810275"/>
+            <a:off x="1034749" y="4074947"/>
+            <a:ext cx="1643337" cy="386961"/>
           </a:xfrm>
           <a:prstGeom prst="rect">
             <a:avLst/>
@@ -5588,7 +5089,7 @@
           </a:fontRef>
         </p:style>
         <p:txBody>
-          <a:bodyPr lIns="68681" tIns="34340" rIns="68681" bIns="34340" anchor="t"/>
+          <a:bodyPr lIns="68681" tIns="34340" rIns="68681" bIns="34340" anchor="ctr"/>
           <a:lstStyle/>
           <a:p>
             <a:pPr defTabSz="343403" eaLnBrk="1" fontAlgn="auto" hangingPunct="1">
@@ -5633,8 +5134,8 @@
         </p:nvCxnSpPr>
         <p:spPr>
           <a:xfrm>
-            <a:off x="3163127" y="2090942"/>
-            <a:ext cx="1782019" cy="787737"/>
+            <a:off x="2678086" y="4268428"/>
+            <a:ext cx="2365090" cy="128359"/>
           </a:xfrm>
           <a:prstGeom prst="straightConnector1">
             <a:avLst/>
@@ -5674,8 +5175,8 @@
         </p:nvCxnSpPr>
         <p:spPr>
           <a:xfrm flipH="1" flipV="1">
-            <a:off x="6472419" y="1747345"/>
-            <a:ext cx="842124" cy="464056"/>
+            <a:off x="6513845" y="1760173"/>
+            <a:ext cx="980304" cy="297292"/>
           </a:xfrm>
           <a:prstGeom prst="straightConnector1">
             <a:avLst/>
@@ -5712,8 +5213,8 @@
         </p:nvSpPr>
         <p:spPr>
           <a:xfrm>
-            <a:off x="1721864" y="3017739"/>
-            <a:ext cx="1448763" cy="1236452"/>
+            <a:off x="1034749" y="5059700"/>
+            <a:ext cx="1270768" cy="1236452"/>
           </a:xfrm>
           <a:prstGeom prst="rect">
             <a:avLst/>
@@ -5788,8 +5289,8 @@
         </p:nvSpPr>
         <p:spPr>
           <a:xfrm>
-            <a:off x="4756348" y="3588832"/>
-            <a:ext cx="2032217" cy="807087"/>
+            <a:off x="4566099" y="5413886"/>
+            <a:ext cx="2373637" cy="882265"/>
           </a:xfrm>
           <a:prstGeom prst="rect">
             <a:avLst/>
@@ -5823,7 +5324,7 @@
           <a:bodyPr lIns="68681" tIns="34340" rIns="68681" bIns="34340" anchor="t"/>
           <a:lstStyle/>
           <a:p>
-            <a:pPr defTabSz="343403" eaLnBrk="1" fontAlgn="auto" hangingPunct="1">
+            <a:pPr algn="r" defTabSz="343403" eaLnBrk="1" fontAlgn="auto" hangingPunct="1">
               <a:spcBef>
                 <a:spcPts val="0"/>
               </a:spcBef>
@@ -5838,7 +5339,7 @@
                 <a:ea typeface="Open Sans Light" charset="0"/>
                 <a:cs typeface="Open Sans Light" charset="0"/>
               </a:rPr>
-              <a:t>some folder</a:t>
+              <a:t>each post folder</a:t>
             </a:r>
             <a:endParaRPr lang="en-US" sz="1800" dirty="0">
               <a:latin typeface="Open Sans Light" charset="0"/>
@@ -5850,14 +5351,14 @@
       </p:sp>
       <p:sp>
         <p:nvSpPr>
-          <p:cNvPr id="177" name="Rectangle 176"/>
+          <p:cNvPr id="192" name="Rectangle 191"/>
           <p:cNvSpPr/>
           <p:nvPr/>
         </p:nvSpPr>
         <p:spPr>
           <a:xfrm>
-            <a:off x="4966309" y="3940264"/>
-            <a:ext cx="1607338" cy="313926"/>
+            <a:off x="1137383" y="5413887"/>
+            <a:ext cx="1021029" cy="313926"/>
           </a:xfrm>
           <a:prstGeom prst="rect">
             <a:avLst/>
@@ -5909,18 +5410,7 @@
                 <a:ea typeface="Open Sans Light" charset="0"/>
                 <a:cs typeface="Open Sans Light" charset="0"/>
               </a:rPr>
-              <a:t>&lt;html&gt; </a:t>
-            </a:r>
-            <a:r>
-              <a:rPr lang="is-IS" sz="1800" dirty="0" smtClean="0">
-                <a:solidFill>
-                  <a:schemeClr val="tx1"/>
-                </a:solidFill>
-                <a:latin typeface="Open Sans Light" charset="0"/>
-                <a:ea typeface="Open Sans Light" charset="0"/>
-                <a:cs typeface="Open Sans Light" charset="0"/>
-              </a:rPr>
-              <a:t>…</a:t>
+              <a:t>--- yaml</a:t>
             </a:r>
             <a:endParaRPr lang="en-US" sz="1800" dirty="0">
               <a:solidFill>
@@ -5935,14 +5425,14 @@
       </p:sp>
       <p:sp>
         <p:nvSpPr>
-          <p:cNvPr id="192" name="Rectangle 191"/>
+          <p:cNvPr id="193" name="Rectangle 192"/>
           <p:cNvSpPr/>
           <p:nvPr/>
         </p:nvSpPr>
         <p:spPr>
           <a:xfrm>
-            <a:off x="1885477" y="3371926"/>
-            <a:ext cx="1138046" cy="313926"/>
+            <a:off x="1137383" y="5835031"/>
+            <a:ext cx="1021030" cy="313926"/>
           </a:xfrm>
           <a:prstGeom prst="rect">
             <a:avLst/>
@@ -5994,7 +5484,7 @@
                 <a:ea typeface="Open Sans Light" charset="0"/>
                 <a:cs typeface="Open Sans Light" charset="0"/>
               </a:rPr>
-              <a:t>--- yaml</a:t>
+              <a:t>html</a:t>
             </a:r>
             <a:endParaRPr lang="en-US" sz="1800" dirty="0">
               <a:solidFill>
@@ -6007,451 +5497,18 @@
           </a:p>
         </p:txBody>
       </p:sp>
-      <p:sp>
-        <p:nvSpPr>
-          <p:cNvPr id="193" name="Rectangle 192"/>
-          <p:cNvSpPr/>
-          <p:nvPr/>
-        </p:nvSpPr>
-        <p:spPr>
-          <a:xfrm>
-            <a:off x="1885477" y="3793070"/>
-            <a:ext cx="1138046" cy="313926"/>
-          </a:xfrm>
-          <a:prstGeom prst="rect">
-            <a:avLst/>
-          </a:prstGeom>
-          <a:solidFill>
-            <a:schemeClr val="bg1"/>
-          </a:solidFill>
-          <a:ln>
-            <a:solidFill>
-              <a:schemeClr val="bg1"/>
-            </a:solidFill>
-          </a:ln>
-        </p:spPr>
-        <p:style>
-          <a:lnRef idx="2">
-            <a:schemeClr val="accent1">
-              <a:shade val="50000"/>
-            </a:schemeClr>
-          </a:lnRef>
-          <a:fillRef idx="1">
-            <a:schemeClr val="accent1"/>
-          </a:fillRef>
-          <a:effectRef idx="0">
-            <a:schemeClr val="accent1"/>
-          </a:effectRef>
-          <a:fontRef idx="minor">
-            <a:schemeClr val="lt1"/>
-          </a:fontRef>
-        </p:style>
-        <p:txBody>
-          <a:bodyPr lIns="68681" tIns="34340" rIns="68681" bIns="34340" anchor="t"/>
-          <a:lstStyle/>
-          <a:p>
-            <a:pPr algn="ctr" defTabSz="343403" eaLnBrk="1" fontAlgn="auto" hangingPunct="1">
-              <a:spcBef>
-                <a:spcPts val="0"/>
-              </a:spcBef>
-              <a:spcAft>
-                <a:spcPts val="0"/>
-              </a:spcAft>
-              <a:defRPr/>
-            </a:pPr>
-            <a:r>
-              <a:rPr lang="en-US" sz="1800" dirty="0" smtClean="0">
-                <a:solidFill>
-                  <a:schemeClr val="tx1"/>
-                </a:solidFill>
-                <a:latin typeface="Open Sans Light" charset="0"/>
-                <a:ea typeface="Open Sans Light" charset="0"/>
-                <a:cs typeface="Open Sans Light" charset="0"/>
-              </a:rPr>
-              <a:t>html</a:t>
-            </a:r>
-            <a:endParaRPr lang="en-US" sz="1800" dirty="0">
-              <a:solidFill>
-                <a:schemeClr val="tx1"/>
-              </a:solidFill>
-              <a:latin typeface="Open Sans Light" charset="0"/>
-              <a:ea typeface="Open Sans Light" charset="0"/>
-              <a:cs typeface="Open Sans Light" charset="0"/>
-            </a:endParaRPr>
-          </a:p>
-        </p:txBody>
-      </p:sp>
-      <p:cxnSp>
-        <p:nvCxnSpPr>
-          <p:cNvPr id="194" name="Straight Connector 157"/>
-          <p:cNvCxnSpPr>
-            <a:endCxn id="177" idx="1"/>
-          </p:cNvCxnSpPr>
-          <p:nvPr/>
-        </p:nvCxnSpPr>
-        <p:spPr>
-          <a:xfrm>
-            <a:off x="3163127" y="4097227"/>
-            <a:ext cx="1803182" cy="0"/>
-          </a:xfrm>
-          <a:prstGeom prst="straightConnector1">
-            <a:avLst/>
-          </a:prstGeom>
-          <a:ln w="25400">
-            <a:solidFill>
-              <a:schemeClr val="tx1"/>
-            </a:solidFill>
-            <a:prstDash val="solid"/>
-            <a:headEnd type="none" w="lg" len="lg"/>
-            <a:tailEnd type="triangle" w="lg" len="lg"/>
-          </a:ln>
-        </p:spPr>
-        <p:style>
-          <a:lnRef idx="1">
-            <a:schemeClr val="accent1"/>
-          </a:lnRef>
-          <a:fillRef idx="0">
-            <a:schemeClr val="accent1"/>
-          </a:fillRef>
-          <a:effectRef idx="0">
-            <a:schemeClr val="accent1"/>
-          </a:effectRef>
-          <a:fontRef idx="minor">
-            <a:schemeClr val="tx1"/>
-          </a:fontRef>
-        </p:style>
-      </p:cxnSp>
-      <p:sp>
-        <p:nvSpPr>
-          <p:cNvPr id="108" name="Rectangle 107"/>
-          <p:cNvSpPr/>
-          <p:nvPr/>
-        </p:nvSpPr>
-        <p:spPr>
-          <a:xfrm rot="16200000">
-            <a:off x="1942951" y="2041492"/>
-            <a:ext cx="4133557" cy="946529"/>
-          </a:xfrm>
-          <a:prstGeom prst="rect">
-            <a:avLst/>
-          </a:prstGeom>
-          <a:solidFill>
-            <a:schemeClr val="accent3"/>
-          </a:solidFill>
-          <a:ln>
-            <a:solidFill>
-              <a:schemeClr val="bg1"/>
-            </a:solidFill>
-          </a:ln>
-        </p:spPr>
-        <p:style>
-          <a:lnRef idx="2">
-            <a:schemeClr val="accent1">
-              <a:shade val="50000"/>
-            </a:schemeClr>
-          </a:lnRef>
-          <a:fillRef idx="1">
-            <a:schemeClr val="accent1"/>
-          </a:fillRef>
-          <a:effectRef idx="0">
-            <a:schemeClr val="accent1"/>
-          </a:effectRef>
-          <a:fontRef idx="minor">
-            <a:schemeClr val="lt1"/>
-          </a:fontRef>
-        </p:style>
-        <p:txBody>
-          <a:bodyPr lIns="68681" tIns="34340" rIns="68681" bIns="34340" anchor="b"/>
-          <a:lstStyle/>
-          <a:p>
-            <a:pPr algn="ctr" defTabSz="343403" eaLnBrk="1" fontAlgn="auto" hangingPunct="1">
-              <a:spcBef>
-                <a:spcPts val="0"/>
-              </a:spcBef>
-              <a:spcAft>
-                <a:spcPts val="0"/>
-              </a:spcAft>
-              <a:defRPr/>
-            </a:pPr>
-            <a:r>
-              <a:rPr lang="en-US" sz="1800" dirty="0" smtClean="0">
-                <a:latin typeface="Open Sans Light" charset="0"/>
-                <a:ea typeface="Open Sans Light" charset="0"/>
-                <a:cs typeface="Open Sans Light" charset="0"/>
-              </a:rPr>
-              <a:t>bundle exec Jekyll serve</a:t>
-            </a:r>
-            <a:endParaRPr lang="en-US" sz="1800" dirty="0">
-              <a:latin typeface="Open Sans Light" charset="0"/>
-              <a:ea typeface="Open Sans Light" charset="0"/>
-              <a:cs typeface="Open Sans Light" charset="0"/>
-            </a:endParaRPr>
-          </a:p>
-        </p:txBody>
-      </p:sp>
-      <p:cxnSp>
-        <p:nvCxnSpPr>
-          <p:cNvPr id="158" name="Straight Connector 157"/>
-          <p:cNvCxnSpPr>
-            <a:stCxn id="192" idx="3"/>
-          </p:cNvCxnSpPr>
-          <p:nvPr/>
-        </p:nvCxnSpPr>
-        <p:spPr>
-          <a:xfrm>
-            <a:off x="3023523" y="3528889"/>
-            <a:ext cx="512942" cy="0"/>
-          </a:xfrm>
-          <a:prstGeom prst="straightConnector1">
-            <a:avLst/>
-          </a:prstGeom>
-          <a:ln w="25400">
-            <a:solidFill>
-              <a:schemeClr val="tx1"/>
-            </a:solidFill>
-            <a:prstDash val="solid"/>
-            <a:headEnd type="none" w="lg" len="lg"/>
-            <a:tailEnd type="triangle" w="lg" len="lg"/>
-          </a:ln>
-        </p:spPr>
-        <p:style>
-          <a:lnRef idx="1">
-            <a:schemeClr val="accent1"/>
-          </a:lnRef>
-          <a:fillRef idx="0">
-            <a:schemeClr val="accent1"/>
-          </a:fillRef>
-          <a:effectRef idx="0">
-            <a:schemeClr val="accent1"/>
-          </a:effectRef>
-          <a:fontRef idx="minor">
-            <a:schemeClr val="tx1"/>
-          </a:fontRef>
-        </p:style>
-      </p:cxnSp>
-      <p:cxnSp>
-        <p:nvCxnSpPr>
-          <p:cNvPr id="200" name="Straight Connector 157"/>
-          <p:cNvCxnSpPr>
-            <a:stCxn id="56" idx="0"/>
-            <a:endCxn id="108" idx="1"/>
-          </p:cNvCxnSpPr>
-          <p:nvPr/>
-        </p:nvCxnSpPr>
-        <p:spPr>
-          <a:xfrm flipH="1" flipV="1">
-            <a:off x="4009730" y="4581535"/>
-            <a:ext cx="4660" cy="216188"/>
-          </a:xfrm>
-          <a:prstGeom prst="straightConnector1">
-            <a:avLst/>
-          </a:prstGeom>
-          <a:ln w="25400">
-            <a:solidFill>
-              <a:schemeClr val="tx1"/>
-            </a:solidFill>
-            <a:prstDash val="solid"/>
-            <a:headEnd type="none" w="lg" len="lg"/>
-            <a:tailEnd type="triangle" w="lg" len="lg"/>
-          </a:ln>
-        </p:spPr>
-        <p:style>
-          <a:lnRef idx="1">
-            <a:schemeClr val="accent1"/>
-          </a:lnRef>
-          <a:fillRef idx="0">
-            <a:schemeClr val="accent1"/>
-          </a:fillRef>
-          <a:effectRef idx="0">
-            <a:schemeClr val="accent1"/>
-          </a:effectRef>
-          <a:fontRef idx="minor">
-            <a:schemeClr val="tx1"/>
-          </a:fontRef>
-        </p:style>
-      </p:cxnSp>
-      <p:sp>
-        <p:nvSpPr>
-          <p:cNvPr id="207" name="Rectangle 206"/>
-          <p:cNvSpPr/>
-          <p:nvPr/>
-        </p:nvSpPr>
-        <p:spPr>
-          <a:xfrm>
-            <a:off x="1344077" y="1150212"/>
-            <a:ext cx="1449938" cy="366618"/>
-          </a:xfrm>
-          <a:prstGeom prst="rect">
-            <a:avLst/>
-          </a:prstGeom>
-          <a:solidFill>
-            <a:schemeClr val="bg1"/>
-          </a:solidFill>
-          <a:ln>
-            <a:solidFill>
-              <a:schemeClr val="bg1"/>
-            </a:solidFill>
-          </a:ln>
-        </p:spPr>
-        <p:style>
-          <a:lnRef idx="2">
-            <a:schemeClr val="accent1">
-              <a:shade val="50000"/>
-            </a:schemeClr>
-          </a:lnRef>
-          <a:fillRef idx="1">
-            <a:schemeClr val="accent1"/>
-          </a:fillRef>
-          <a:effectRef idx="0">
-            <a:schemeClr val="accent1"/>
-          </a:effectRef>
-          <a:fontRef idx="minor">
-            <a:schemeClr val="lt1"/>
-          </a:fontRef>
-        </p:style>
-        <p:txBody>
-          <a:bodyPr lIns="68681" tIns="34340" rIns="68681" bIns="34340" anchor="t"/>
-          <a:lstStyle/>
-          <a:p>
-            <a:pPr algn="ctr" defTabSz="343403" eaLnBrk="1" fontAlgn="auto" hangingPunct="1">
-              <a:spcBef>
-                <a:spcPts val="0"/>
-              </a:spcBef>
-              <a:spcAft>
-                <a:spcPts val="0"/>
-              </a:spcAft>
-              <a:defRPr/>
-            </a:pPr>
-            <a:r>
-              <a:rPr lang="en-US" sz="1800" dirty="0" smtClean="0">
-                <a:solidFill>
-                  <a:schemeClr val="tx1"/>
-                </a:solidFill>
-                <a:latin typeface="Open Sans Light" charset="0"/>
-                <a:ea typeface="Open Sans Light" charset="0"/>
-                <a:cs typeface="Open Sans Light" charset="0"/>
-              </a:rPr>
-              <a:t>&lt;head&gt; </a:t>
-            </a:r>
-            <a:r>
-              <a:rPr lang="is-IS" sz="1800" dirty="0" smtClean="0">
-                <a:solidFill>
-                  <a:schemeClr val="tx1"/>
-                </a:solidFill>
-                <a:latin typeface="Open Sans Light" charset="0"/>
-                <a:ea typeface="Open Sans Light" charset="0"/>
-                <a:cs typeface="Open Sans Light" charset="0"/>
-              </a:rPr>
-              <a:t>…</a:t>
-            </a:r>
-            <a:endParaRPr lang="en-US" sz="1800" dirty="0">
-              <a:solidFill>
-                <a:schemeClr val="tx1"/>
-              </a:solidFill>
-              <a:latin typeface="Open Sans Light" charset="0"/>
-              <a:ea typeface="Open Sans Light" charset="0"/>
-              <a:cs typeface="Open Sans Light" charset="0"/>
-            </a:endParaRPr>
-          </a:p>
-        </p:txBody>
-      </p:sp>
-      <p:sp>
-        <p:nvSpPr>
-          <p:cNvPr id="213" name="Rectangle 212"/>
-          <p:cNvSpPr/>
-          <p:nvPr/>
-        </p:nvSpPr>
-        <p:spPr>
-          <a:xfrm>
-            <a:off x="1349018" y="2034504"/>
-            <a:ext cx="1444997" cy="372061"/>
-          </a:xfrm>
-          <a:prstGeom prst="rect">
-            <a:avLst/>
-          </a:prstGeom>
-          <a:solidFill>
-            <a:schemeClr val="bg1"/>
-          </a:solidFill>
-          <a:ln>
-            <a:solidFill>
-              <a:schemeClr val="bg1"/>
-            </a:solidFill>
-          </a:ln>
-        </p:spPr>
-        <p:style>
-          <a:lnRef idx="2">
-            <a:schemeClr val="accent1">
-              <a:shade val="50000"/>
-            </a:schemeClr>
-          </a:lnRef>
-          <a:fillRef idx="1">
-            <a:schemeClr val="accent1"/>
-          </a:fillRef>
-          <a:effectRef idx="0">
-            <a:schemeClr val="accent1"/>
-          </a:effectRef>
-          <a:fontRef idx="minor">
-            <a:schemeClr val="lt1"/>
-          </a:fontRef>
-        </p:style>
-        <p:txBody>
-          <a:bodyPr lIns="68681" tIns="34340" rIns="68681" bIns="34340" anchor="t"/>
-          <a:lstStyle/>
-          <a:p>
-            <a:pPr algn="ctr" defTabSz="343403" eaLnBrk="1" fontAlgn="auto" hangingPunct="1">
-              <a:spcBef>
-                <a:spcPts val="0"/>
-              </a:spcBef>
-              <a:spcAft>
-                <a:spcPts val="0"/>
-              </a:spcAft>
-              <a:defRPr/>
-            </a:pPr>
-            <a:r>
-              <a:rPr lang="is-IS" sz="1800" dirty="0" smtClean="0">
-                <a:solidFill>
-                  <a:schemeClr val="tx1"/>
-                </a:solidFill>
-                <a:latin typeface="Open Sans Light" charset="0"/>
-                <a:ea typeface="Open Sans Light" charset="0"/>
-                <a:cs typeface="Open Sans Light" charset="0"/>
-              </a:rPr>
-              <a:t>… </a:t>
-            </a:r>
-            <a:r>
-              <a:rPr lang="en-US" sz="1800" dirty="0" smtClean="0">
-                <a:solidFill>
-                  <a:schemeClr val="tx1"/>
-                </a:solidFill>
-                <a:latin typeface="Open Sans Light" charset="0"/>
-                <a:ea typeface="Open Sans Light" charset="0"/>
-                <a:cs typeface="Open Sans Light" charset="0"/>
-              </a:rPr>
-              <a:t>&lt;/body&gt;</a:t>
-            </a:r>
-            <a:endParaRPr lang="en-US" sz="1800" dirty="0">
-              <a:solidFill>
-                <a:schemeClr val="tx1"/>
-              </a:solidFill>
-              <a:latin typeface="Open Sans Light" charset="0"/>
-              <a:ea typeface="Open Sans Light" charset="0"/>
-              <a:cs typeface="Open Sans Light" charset="0"/>
-            </a:endParaRPr>
-          </a:p>
-        </p:txBody>
-      </p:sp>
       <p:cxnSp>
         <p:nvCxnSpPr>
           <p:cNvPr id="215" name="Straight Connector 157"/>
           <p:cNvCxnSpPr>
-            <a:endCxn id="58" idx="2"/>
+            <a:stCxn id="72" idx="0"/>
           </p:cNvCxnSpPr>
           <p:nvPr/>
         </p:nvCxnSpPr>
         <p:spPr>
           <a:xfrm flipV="1">
-            <a:off x="7617120" y="1239517"/>
-            <a:ext cx="0" cy="446287"/>
+            <a:off x="8105989" y="1252345"/>
+            <a:ext cx="0" cy="205812"/>
           </a:xfrm>
           <a:prstGeom prst="straightConnector1">
             <a:avLst/>
@@ -6502,7 +5559,7 @@
         </p:blipFill>
         <p:spPr>
           <a:xfrm>
-            <a:off x="8106507" y="706014"/>
+            <a:off x="8286113" y="718842"/>
             <a:ext cx="627151" cy="627151"/>
           </a:xfrm>
           <a:prstGeom prst="rect">
@@ -6510,6 +5567,1251 @@
           </a:prstGeom>
         </p:spPr>
       </p:pic>
+      <p:cxnSp>
+        <p:nvCxnSpPr>
+          <p:cNvPr id="229" name="Straight Connector 157"/>
+          <p:cNvCxnSpPr/>
+          <p:nvPr/>
+        </p:nvCxnSpPr>
+        <p:spPr>
+          <a:xfrm flipH="1">
+            <a:off x="7099070" y="3018824"/>
+            <a:ext cx="710656" cy="0"/>
+          </a:xfrm>
+          <a:prstGeom prst="straightConnector1">
+            <a:avLst/>
+          </a:prstGeom>
+          <a:ln w="25400">
+            <a:solidFill>
+              <a:schemeClr val="tx1"/>
+            </a:solidFill>
+            <a:prstDash val="dash"/>
+            <a:headEnd type="none" w="lg" len="lg"/>
+            <a:tailEnd type="triangle" w="lg" len="lg"/>
+          </a:ln>
+        </p:spPr>
+        <p:style>
+          <a:lnRef idx="1">
+            <a:schemeClr val="accent1"/>
+          </a:lnRef>
+          <a:fillRef idx="0">
+            <a:schemeClr val="accent1"/>
+          </a:fillRef>
+          <a:effectRef idx="0">
+            <a:schemeClr val="accent1"/>
+          </a:effectRef>
+          <a:fontRef idx="minor">
+            <a:schemeClr val="tx1"/>
+          </a:fontRef>
+        </p:style>
+      </p:cxnSp>
+      <p:sp>
+        <p:nvSpPr>
+          <p:cNvPr id="232" name="Rounded Rectangle 231"/>
+          <p:cNvSpPr/>
+          <p:nvPr/>
+        </p:nvSpPr>
+        <p:spPr>
+          <a:xfrm>
+            <a:off x="7522070" y="2518017"/>
+            <a:ext cx="1148366" cy="729427"/>
+          </a:xfrm>
+          <a:prstGeom prst="roundRect">
+            <a:avLst/>
+          </a:prstGeom>
+          <a:noFill/>
+          <a:ln>
+            <a:noFill/>
+          </a:ln>
+          <a:effectLst/>
+        </p:spPr>
+        <p:style>
+          <a:lnRef idx="1">
+            <a:schemeClr val="accent1"/>
+          </a:lnRef>
+          <a:fillRef idx="3">
+            <a:schemeClr val="accent1"/>
+          </a:fillRef>
+          <a:effectRef idx="2">
+            <a:schemeClr val="accent1"/>
+          </a:effectRef>
+          <a:fontRef idx="minor">
+            <a:schemeClr val="lt1"/>
+          </a:fontRef>
+        </p:style>
+        <p:txBody>
+          <a:bodyPr/>
+          <a:lstStyle/>
+          <a:p>
+            <a:pPr algn="ctr"/>
+            <a:r>
+              <a:rPr lang="en-US" dirty="0" smtClean="0">
+                <a:latin typeface="Open Sans Light"/>
+                <a:cs typeface="Open Sans Light"/>
+              </a:rPr>
+              <a:t>jpg, </a:t>
+            </a:r>
+            <a:r>
+              <a:rPr lang="en-US" dirty="0" err="1" smtClean="0">
+                <a:latin typeface="Open Sans Light"/>
+                <a:cs typeface="Open Sans Light"/>
+              </a:rPr>
+              <a:t>png</a:t>
+            </a:r>
+            <a:r>
+              <a:rPr lang="en-US" dirty="0" smtClean="0">
+                <a:latin typeface="Open Sans Light"/>
+                <a:cs typeface="Open Sans Light"/>
+              </a:rPr>
+              <a:t>,</a:t>
+            </a:r>
+          </a:p>
+          <a:p>
+            <a:pPr algn="ctr"/>
+            <a:r>
+              <a:rPr lang="en-US" dirty="0" smtClean="0">
+                <a:latin typeface="Open Sans Light"/>
+                <a:cs typeface="Open Sans Light"/>
+              </a:rPr>
+              <a:t>etc</a:t>
+            </a:r>
+            <a:r>
+              <a:rPr lang="en-US" dirty="0" smtClean="0">
+                <a:latin typeface="Open Sans Light"/>
+                <a:cs typeface="Open Sans Light"/>
+              </a:rPr>
+              <a:t>.</a:t>
+            </a:r>
+            <a:endParaRPr lang="en-US" dirty="0">
+              <a:latin typeface="Open Sans Light"/>
+              <a:cs typeface="Open Sans Light"/>
+            </a:endParaRPr>
+          </a:p>
+        </p:txBody>
+      </p:sp>
+      <p:sp>
+        <p:nvSpPr>
+          <p:cNvPr id="243" name="Rectangle 242"/>
+          <p:cNvSpPr/>
+          <p:nvPr/>
+        </p:nvSpPr>
+        <p:spPr>
+          <a:xfrm>
+            <a:off x="1017385" y="576771"/>
+            <a:ext cx="1891295" cy="930163"/>
+          </a:xfrm>
+          <a:prstGeom prst="rect">
+            <a:avLst/>
+          </a:prstGeom>
+          <a:solidFill>
+            <a:schemeClr val="tx1"/>
+          </a:solidFill>
+          <a:ln>
+            <a:solidFill>
+              <a:schemeClr val="bg1"/>
+            </a:solidFill>
+          </a:ln>
+        </p:spPr>
+        <p:style>
+          <a:lnRef idx="2">
+            <a:schemeClr val="accent1">
+              <a:shade val="50000"/>
+            </a:schemeClr>
+          </a:lnRef>
+          <a:fillRef idx="1">
+            <a:schemeClr val="accent1"/>
+          </a:fillRef>
+          <a:effectRef idx="0">
+            <a:schemeClr val="accent1"/>
+          </a:effectRef>
+          <a:fontRef idx="minor">
+            <a:schemeClr val="lt1"/>
+          </a:fontRef>
+        </p:style>
+        <p:txBody>
+          <a:bodyPr lIns="68681" tIns="34340" rIns="68681" bIns="34340" anchor="ctr"/>
+          <a:lstStyle/>
+          <a:p>
+            <a:pPr defTabSz="343403" eaLnBrk="1" fontAlgn="auto" hangingPunct="1">
+              <a:spcBef>
+                <a:spcPts val="0"/>
+              </a:spcBef>
+              <a:spcAft>
+                <a:spcPts val="0"/>
+              </a:spcAft>
+              <a:defRPr/>
+            </a:pPr>
+            <a:r>
+              <a:rPr lang="en-US" dirty="0" smtClean="0">
+                <a:latin typeface="Open Sans Light" charset="0"/>
+                <a:ea typeface="Open Sans Light" charset="0"/>
+                <a:cs typeface="Open Sans Light" charset="0"/>
+              </a:rPr>
+              <a:t>gems</a:t>
+            </a:r>
+            <a:endParaRPr lang="en-US" sz="1800" dirty="0">
+              <a:latin typeface="Open Sans Light" charset="0"/>
+              <a:ea typeface="Open Sans Light" charset="0"/>
+              <a:cs typeface="Open Sans Light" charset="0"/>
+            </a:endParaRPr>
+          </a:p>
+        </p:txBody>
+      </p:sp>
+      <p:sp>
+        <p:nvSpPr>
+          <p:cNvPr id="49" name="Rectangle 48"/>
+          <p:cNvSpPr/>
+          <p:nvPr/>
+        </p:nvSpPr>
+        <p:spPr>
+          <a:xfrm>
+            <a:off x="5152049" y="2518018"/>
+            <a:ext cx="1433828" cy="1229086"/>
+          </a:xfrm>
+          <a:prstGeom prst="rect">
+            <a:avLst/>
+          </a:prstGeom>
+          <a:solidFill>
+            <a:schemeClr val="bg1"/>
+          </a:solidFill>
+          <a:ln>
+            <a:solidFill>
+              <a:schemeClr val="bg1"/>
+            </a:solidFill>
+          </a:ln>
+        </p:spPr>
+        <p:style>
+          <a:lnRef idx="2">
+            <a:schemeClr val="accent1">
+              <a:shade val="50000"/>
+            </a:schemeClr>
+          </a:lnRef>
+          <a:fillRef idx="1">
+            <a:schemeClr val="accent1"/>
+          </a:fillRef>
+          <a:effectRef idx="0">
+            <a:schemeClr val="accent1"/>
+          </a:effectRef>
+          <a:fontRef idx="minor">
+            <a:schemeClr val="lt1"/>
+          </a:fontRef>
+        </p:style>
+        <p:txBody>
+          <a:bodyPr lIns="68681" tIns="34340" rIns="68681" bIns="34340" anchor="b"/>
+          <a:lstStyle/>
+          <a:p>
+            <a:pPr defTabSz="343403" eaLnBrk="1" fontAlgn="auto" hangingPunct="1">
+              <a:spcBef>
+                <a:spcPts val="0"/>
+              </a:spcBef>
+              <a:spcAft>
+                <a:spcPts val="0"/>
+              </a:spcAft>
+              <a:defRPr/>
+            </a:pPr>
+            <a:r>
+              <a:rPr lang="en-US" dirty="0" smtClean="0">
+                <a:solidFill>
+                  <a:schemeClr val="tx1"/>
+                </a:solidFill>
+                <a:latin typeface="Open Sans Light" charset="0"/>
+                <a:ea typeface="Open Sans Light" charset="0"/>
+                <a:cs typeface="Open Sans Light" charset="0"/>
+              </a:rPr>
+              <a:t>&lt;form</a:t>
+            </a:r>
+            <a:endParaRPr lang="en-US" sz="1800" dirty="0">
+              <a:solidFill>
+                <a:schemeClr val="tx1"/>
+              </a:solidFill>
+              <a:latin typeface="Open Sans Light" charset="0"/>
+              <a:ea typeface="Open Sans Light" charset="0"/>
+              <a:cs typeface="Open Sans Light" charset="0"/>
+            </a:endParaRPr>
+          </a:p>
+        </p:txBody>
+      </p:sp>
+      <p:sp>
+        <p:nvSpPr>
+          <p:cNvPr id="48" name="Rectangle 47"/>
+          <p:cNvSpPr/>
+          <p:nvPr/>
+        </p:nvSpPr>
+        <p:spPr>
+          <a:xfrm>
+            <a:off x="5283023" y="2611244"/>
+            <a:ext cx="1156326" cy="815159"/>
+          </a:xfrm>
+          <a:prstGeom prst="rect">
+            <a:avLst/>
+          </a:prstGeom>
+          <a:solidFill>
+            <a:schemeClr val="accent1"/>
+          </a:solidFill>
+          <a:ln>
+            <a:solidFill>
+              <a:schemeClr val="bg1"/>
+            </a:solidFill>
+          </a:ln>
+        </p:spPr>
+        <p:style>
+          <a:lnRef idx="2">
+            <a:schemeClr val="accent1">
+              <a:shade val="50000"/>
+            </a:schemeClr>
+          </a:lnRef>
+          <a:fillRef idx="1">
+            <a:schemeClr val="accent1"/>
+          </a:fillRef>
+          <a:effectRef idx="0">
+            <a:schemeClr val="accent1"/>
+          </a:effectRef>
+          <a:fontRef idx="minor">
+            <a:schemeClr val="lt1"/>
+          </a:fontRef>
+        </p:style>
+        <p:txBody>
+          <a:bodyPr lIns="68681" tIns="34340" rIns="68681" bIns="34340" anchor="b"/>
+          <a:lstStyle/>
+          <a:p>
+            <a:pPr defTabSz="343403" eaLnBrk="1" fontAlgn="auto" hangingPunct="1">
+              <a:spcBef>
+                <a:spcPts val="0"/>
+              </a:spcBef>
+              <a:spcAft>
+                <a:spcPts val="0"/>
+              </a:spcAft>
+              <a:defRPr/>
+            </a:pPr>
+            <a:r>
+              <a:rPr lang="en-US" sz="1800" dirty="0" smtClean="0">
+                <a:latin typeface="Open Sans Light" charset="0"/>
+                <a:ea typeface="Open Sans Light" charset="0"/>
+                <a:cs typeface="Open Sans Light" charset="0"/>
+              </a:rPr>
+              <a:t>&lt;input</a:t>
+            </a:r>
+            <a:endParaRPr lang="en-US" sz="1800" dirty="0">
+              <a:latin typeface="Open Sans Light" charset="0"/>
+              <a:ea typeface="Open Sans Light" charset="0"/>
+              <a:cs typeface="Open Sans Light" charset="0"/>
+            </a:endParaRPr>
+          </a:p>
+        </p:txBody>
+      </p:sp>
+      <p:sp>
+        <p:nvSpPr>
+          <p:cNvPr id="52" name="Rectangle 51"/>
+          <p:cNvSpPr/>
+          <p:nvPr/>
+        </p:nvSpPr>
+        <p:spPr>
+          <a:xfrm>
+            <a:off x="5388158" y="2717453"/>
+            <a:ext cx="931671" cy="363596"/>
+          </a:xfrm>
+          <a:prstGeom prst="rect">
+            <a:avLst/>
+          </a:prstGeom>
+          <a:solidFill>
+            <a:schemeClr val="accent6"/>
+          </a:solidFill>
+          <a:ln>
+            <a:solidFill>
+              <a:schemeClr val="bg1"/>
+            </a:solidFill>
+          </a:ln>
+        </p:spPr>
+        <p:style>
+          <a:lnRef idx="2">
+            <a:schemeClr val="accent1">
+              <a:shade val="50000"/>
+            </a:schemeClr>
+          </a:lnRef>
+          <a:fillRef idx="1">
+            <a:schemeClr val="accent1"/>
+          </a:fillRef>
+          <a:effectRef idx="0">
+            <a:schemeClr val="accent1"/>
+          </a:effectRef>
+          <a:fontRef idx="minor">
+            <a:schemeClr val="lt1"/>
+          </a:fontRef>
+        </p:style>
+        <p:txBody>
+          <a:bodyPr lIns="68681" tIns="34340" rIns="68681" bIns="34340" anchor="b"/>
+          <a:lstStyle/>
+          <a:p>
+            <a:pPr defTabSz="343403" eaLnBrk="1" fontAlgn="auto" hangingPunct="1">
+              <a:spcBef>
+                <a:spcPts val="0"/>
+              </a:spcBef>
+              <a:spcAft>
+                <a:spcPts val="0"/>
+              </a:spcAft>
+              <a:defRPr/>
+            </a:pPr>
+            <a:r>
+              <a:rPr lang="en-US" sz="1800" dirty="0" smtClean="0">
+                <a:latin typeface="Open Sans Light" charset="0"/>
+                <a:ea typeface="Open Sans Light" charset="0"/>
+                <a:cs typeface="Open Sans Light" charset="0"/>
+              </a:rPr>
+              <a:t>onclick</a:t>
+            </a:r>
+            <a:endParaRPr lang="en-US" sz="1800" dirty="0">
+              <a:latin typeface="Open Sans Light" charset="0"/>
+              <a:ea typeface="Open Sans Light" charset="0"/>
+              <a:cs typeface="Open Sans Light" charset="0"/>
+            </a:endParaRPr>
+          </a:p>
+        </p:txBody>
+      </p:sp>
+      <p:sp>
+        <p:nvSpPr>
+          <p:cNvPr id="285" name="Rectangle 284"/>
+          <p:cNvSpPr/>
+          <p:nvPr/>
+        </p:nvSpPr>
+        <p:spPr>
+          <a:xfrm>
+            <a:off x="906127" y="2023537"/>
+            <a:ext cx="925579" cy="325801"/>
+          </a:xfrm>
+          <a:prstGeom prst="rect">
+            <a:avLst/>
+          </a:prstGeom>
+          <a:solidFill>
+            <a:schemeClr val="tx1"/>
+          </a:solidFill>
+          <a:ln>
+            <a:solidFill>
+              <a:schemeClr val="bg1"/>
+            </a:solidFill>
+          </a:ln>
+        </p:spPr>
+        <p:style>
+          <a:lnRef idx="2">
+            <a:schemeClr val="accent1">
+              <a:shade val="50000"/>
+            </a:schemeClr>
+          </a:lnRef>
+          <a:fillRef idx="1">
+            <a:schemeClr val="accent1"/>
+          </a:fillRef>
+          <a:effectRef idx="0">
+            <a:schemeClr val="accent1"/>
+          </a:effectRef>
+          <a:fontRef idx="minor">
+            <a:schemeClr val="lt1"/>
+          </a:fontRef>
+        </p:style>
+        <p:txBody>
+          <a:bodyPr lIns="68681" tIns="34340" rIns="68681" bIns="34340" anchor="ctr"/>
+          <a:lstStyle/>
+          <a:p>
+            <a:pPr defTabSz="343403" eaLnBrk="1" fontAlgn="auto" hangingPunct="1">
+              <a:spcBef>
+                <a:spcPts val="0"/>
+              </a:spcBef>
+              <a:spcAft>
+                <a:spcPts val="0"/>
+              </a:spcAft>
+              <a:defRPr/>
+            </a:pPr>
+            <a:r>
+              <a:rPr lang="en-US" dirty="0" smtClean="0">
+                <a:latin typeface="Open Sans Light" charset="0"/>
+                <a:ea typeface="Open Sans Light" charset="0"/>
+                <a:cs typeface="Open Sans Light" charset="0"/>
+              </a:rPr>
+              <a:t>Gemfile</a:t>
+            </a:r>
+            <a:endParaRPr lang="en-US" sz="1800" dirty="0">
+              <a:latin typeface="Open Sans Light" charset="0"/>
+              <a:ea typeface="Open Sans Light" charset="0"/>
+              <a:cs typeface="Open Sans Light" charset="0"/>
+            </a:endParaRPr>
+          </a:p>
+        </p:txBody>
+      </p:sp>
+      <p:cxnSp>
+        <p:nvCxnSpPr>
+          <p:cNvPr id="291" name="Straight Connector 157"/>
+          <p:cNvCxnSpPr>
+            <a:stCxn id="285" idx="0"/>
+          </p:cNvCxnSpPr>
+          <p:nvPr/>
+        </p:nvCxnSpPr>
+        <p:spPr>
+          <a:xfrm flipV="1">
+            <a:off x="1368917" y="1788505"/>
+            <a:ext cx="13790" cy="235032"/>
+          </a:xfrm>
+          <a:prstGeom prst="straightConnector1">
+            <a:avLst/>
+          </a:prstGeom>
+          <a:ln w="25400">
+            <a:solidFill>
+              <a:schemeClr val="tx1"/>
+            </a:solidFill>
+            <a:prstDash val="solid"/>
+            <a:headEnd type="none" w="lg" len="lg"/>
+            <a:tailEnd type="triangle" w="lg" len="lg"/>
+          </a:ln>
+        </p:spPr>
+        <p:style>
+          <a:lnRef idx="1">
+            <a:schemeClr val="accent1"/>
+          </a:lnRef>
+          <a:fillRef idx="0">
+            <a:schemeClr val="accent1"/>
+          </a:fillRef>
+          <a:effectRef idx="0">
+            <a:schemeClr val="accent1"/>
+          </a:effectRef>
+          <a:fontRef idx="minor">
+            <a:schemeClr val="tx1"/>
+          </a:fontRef>
+        </p:style>
+      </p:cxnSp>
+      <p:sp>
+        <p:nvSpPr>
+          <p:cNvPr id="297" name="Rounded Rectangle 296"/>
+          <p:cNvSpPr/>
+          <p:nvPr/>
+        </p:nvSpPr>
+        <p:spPr>
+          <a:xfrm>
+            <a:off x="2006764" y="1871950"/>
+            <a:ext cx="1556864" cy="458337"/>
+          </a:xfrm>
+          <a:prstGeom prst="roundRect">
+            <a:avLst/>
+          </a:prstGeom>
+          <a:noFill/>
+          <a:ln>
+            <a:noFill/>
+          </a:ln>
+          <a:effectLst/>
+        </p:spPr>
+        <p:style>
+          <a:lnRef idx="1">
+            <a:schemeClr val="accent1"/>
+          </a:lnRef>
+          <a:fillRef idx="3">
+            <a:schemeClr val="accent1"/>
+          </a:fillRef>
+          <a:effectRef idx="2">
+            <a:schemeClr val="accent1"/>
+          </a:effectRef>
+          <a:fontRef idx="minor">
+            <a:schemeClr val="lt1"/>
+          </a:fontRef>
+        </p:style>
+        <p:txBody>
+          <a:bodyPr/>
+          <a:lstStyle/>
+          <a:p>
+            <a:r>
+              <a:rPr lang="en-US" dirty="0" smtClean="0">
+                <a:solidFill>
+                  <a:schemeClr val="tx1"/>
+                </a:solidFill>
+                <a:latin typeface="Open Sans Light"/>
+                <a:cs typeface="Open Sans Light"/>
+              </a:rPr>
+              <a:t>bundle build</a:t>
+            </a:r>
+            <a:endParaRPr lang="en-US" dirty="0">
+              <a:solidFill>
+                <a:schemeClr val="tx1"/>
+              </a:solidFill>
+              <a:latin typeface="Open Sans Light"/>
+              <a:cs typeface="Open Sans Light"/>
+            </a:endParaRPr>
+          </a:p>
+        </p:txBody>
+      </p:sp>
+      <p:sp>
+        <p:nvSpPr>
+          <p:cNvPr id="64" name="Rectangle 63"/>
+          <p:cNvSpPr/>
+          <p:nvPr/>
+        </p:nvSpPr>
+        <p:spPr>
+          <a:xfrm>
+            <a:off x="1045488" y="3594649"/>
+            <a:ext cx="1643337" cy="393318"/>
+          </a:xfrm>
+          <a:prstGeom prst="rect">
+            <a:avLst/>
+          </a:prstGeom>
+          <a:solidFill>
+            <a:schemeClr val="bg1">
+              <a:lumMod val="50000"/>
+            </a:schemeClr>
+          </a:solidFill>
+          <a:ln>
+            <a:solidFill>
+              <a:schemeClr val="bg1"/>
+            </a:solidFill>
+          </a:ln>
+        </p:spPr>
+        <p:style>
+          <a:lnRef idx="2">
+            <a:schemeClr val="accent1">
+              <a:shade val="50000"/>
+            </a:schemeClr>
+          </a:lnRef>
+          <a:fillRef idx="1">
+            <a:schemeClr val="accent1"/>
+          </a:fillRef>
+          <a:effectRef idx="0">
+            <a:schemeClr val="accent1"/>
+          </a:effectRef>
+          <a:fontRef idx="minor">
+            <a:schemeClr val="lt1"/>
+          </a:fontRef>
+        </p:style>
+        <p:txBody>
+          <a:bodyPr lIns="68681" tIns="34340" rIns="68681" bIns="34340" anchor="ctr"/>
+          <a:lstStyle/>
+          <a:p>
+            <a:pPr defTabSz="343403" eaLnBrk="1" fontAlgn="auto" hangingPunct="1">
+              <a:spcBef>
+                <a:spcPts val="0"/>
+              </a:spcBef>
+              <a:spcAft>
+                <a:spcPts val="0"/>
+              </a:spcAft>
+              <a:defRPr/>
+            </a:pPr>
+            <a:r>
+              <a:rPr lang="en-US" sz="1800" dirty="0" smtClean="0">
+                <a:solidFill>
+                  <a:schemeClr val="bg1"/>
+                </a:solidFill>
+                <a:latin typeface="Open Sans Light" charset="0"/>
+                <a:ea typeface="Open Sans Light" charset="0"/>
+                <a:cs typeface="Open Sans Light" charset="0"/>
+              </a:rPr>
+              <a:t>_sidebar.html</a:t>
+            </a:r>
+            <a:endParaRPr lang="en-US" sz="1800" dirty="0">
+              <a:solidFill>
+                <a:schemeClr val="bg1"/>
+              </a:solidFill>
+              <a:latin typeface="Open Sans Light" charset="0"/>
+              <a:ea typeface="Open Sans Light" charset="0"/>
+              <a:cs typeface="Open Sans Light" charset="0"/>
+            </a:endParaRPr>
+          </a:p>
+        </p:txBody>
+      </p:sp>
+      <p:cxnSp>
+        <p:nvCxnSpPr>
+          <p:cNvPr id="69" name="Straight Connector 157"/>
+          <p:cNvCxnSpPr>
+            <a:stCxn id="64" idx="3"/>
+            <a:endCxn id="49" idx="1"/>
+          </p:cNvCxnSpPr>
+          <p:nvPr/>
+        </p:nvCxnSpPr>
+        <p:spPr>
+          <a:xfrm flipV="1">
+            <a:off x="2688825" y="3132561"/>
+            <a:ext cx="2463224" cy="658747"/>
+          </a:xfrm>
+          <a:prstGeom prst="straightConnector1">
+            <a:avLst/>
+          </a:prstGeom>
+          <a:ln w="25400">
+            <a:solidFill>
+              <a:schemeClr val="tx1"/>
+            </a:solidFill>
+            <a:prstDash val="solid"/>
+            <a:headEnd type="none" w="lg" len="lg"/>
+            <a:tailEnd type="triangle" w="lg" len="lg"/>
+          </a:ln>
+        </p:spPr>
+        <p:style>
+          <a:lnRef idx="1">
+            <a:schemeClr val="accent1"/>
+          </a:lnRef>
+          <a:fillRef idx="0">
+            <a:schemeClr val="accent1"/>
+          </a:fillRef>
+          <a:effectRef idx="0">
+            <a:schemeClr val="accent1"/>
+          </a:effectRef>
+          <a:fontRef idx="minor">
+            <a:schemeClr val="tx1"/>
+          </a:fontRef>
+        </p:style>
+      </p:cxnSp>
+      <p:sp>
+        <p:nvSpPr>
+          <p:cNvPr id="84" name="Rectangle 83"/>
+          <p:cNvSpPr/>
+          <p:nvPr/>
+        </p:nvSpPr>
+        <p:spPr>
+          <a:xfrm>
+            <a:off x="5245899" y="5785196"/>
+            <a:ext cx="1573897" cy="413595"/>
+          </a:xfrm>
+          <a:prstGeom prst="rect">
+            <a:avLst/>
+          </a:prstGeom>
+          <a:solidFill>
+            <a:schemeClr val="bg1">
+              <a:lumMod val="50000"/>
+            </a:schemeClr>
+          </a:solidFill>
+          <a:ln>
+            <a:solidFill>
+              <a:schemeClr val="bg1"/>
+            </a:solidFill>
+          </a:ln>
+        </p:spPr>
+        <p:style>
+          <a:lnRef idx="2">
+            <a:schemeClr val="accent1">
+              <a:shade val="50000"/>
+            </a:schemeClr>
+          </a:lnRef>
+          <a:fillRef idx="1">
+            <a:schemeClr val="accent1"/>
+          </a:fillRef>
+          <a:effectRef idx="0">
+            <a:schemeClr val="accent1"/>
+          </a:effectRef>
+          <a:fontRef idx="minor">
+            <a:schemeClr val="lt1"/>
+          </a:fontRef>
+        </p:style>
+        <p:txBody>
+          <a:bodyPr lIns="68681" tIns="34340" rIns="68681" bIns="34340" anchor="t"/>
+          <a:lstStyle/>
+          <a:p>
+            <a:pPr defTabSz="343403" eaLnBrk="1" fontAlgn="auto" hangingPunct="1">
+              <a:spcBef>
+                <a:spcPts val="0"/>
+              </a:spcBef>
+              <a:spcAft>
+                <a:spcPts val="0"/>
+              </a:spcAft>
+              <a:defRPr/>
+            </a:pPr>
+            <a:r>
+              <a:rPr lang="en-US" dirty="0" smtClean="0">
+                <a:latin typeface="Open Sans Light" charset="0"/>
+                <a:ea typeface="Open Sans Light" charset="0"/>
+                <a:cs typeface="Open Sans Light" charset="0"/>
+              </a:rPr>
+              <a:t>default.html</a:t>
+            </a:r>
+            <a:endParaRPr lang="en-US" sz="1800" dirty="0">
+              <a:latin typeface="Open Sans Light" charset="0"/>
+              <a:ea typeface="Open Sans Light" charset="0"/>
+              <a:cs typeface="Open Sans Light" charset="0"/>
+            </a:endParaRPr>
+          </a:p>
+        </p:txBody>
+      </p:sp>
+      <p:cxnSp>
+        <p:nvCxnSpPr>
+          <p:cNvPr id="194" name="Straight Connector 157"/>
+          <p:cNvCxnSpPr>
+            <a:stCxn id="193" idx="3"/>
+            <a:endCxn id="84" idx="1"/>
+          </p:cNvCxnSpPr>
+          <p:nvPr/>
+        </p:nvCxnSpPr>
+        <p:spPr>
+          <a:xfrm>
+            <a:off x="2158413" y="5991994"/>
+            <a:ext cx="3087486" cy="0"/>
+          </a:xfrm>
+          <a:prstGeom prst="straightConnector1">
+            <a:avLst/>
+          </a:prstGeom>
+          <a:ln w="25400">
+            <a:solidFill>
+              <a:schemeClr val="tx1"/>
+            </a:solidFill>
+            <a:prstDash val="solid"/>
+            <a:headEnd type="none" w="lg" len="lg"/>
+            <a:tailEnd type="triangle" w="lg" len="lg"/>
+          </a:ln>
+        </p:spPr>
+        <p:style>
+          <a:lnRef idx="1">
+            <a:schemeClr val="accent1"/>
+          </a:lnRef>
+          <a:fillRef idx="0">
+            <a:schemeClr val="accent1"/>
+          </a:fillRef>
+          <a:effectRef idx="0">
+            <a:schemeClr val="accent1"/>
+          </a:effectRef>
+          <a:fontRef idx="minor">
+            <a:schemeClr val="tx1"/>
+          </a:fontRef>
+        </p:style>
+      </p:cxnSp>
+      <p:sp>
+        <p:nvSpPr>
+          <p:cNvPr id="246" name="Rectangle 245"/>
+          <p:cNvSpPr/>
+          <p:nvPr/>
+        </p:nvSpPr>
+        <p:spPr>
+          <a:xfrm>
+            <a:off x="1732308" y="642241"/>
+            <a:ext cx="1099180" cy="795401"/>
+          </a:xfrm>
+          <a:prstGeom prst="rect">
+            <a:avLst/>
+          </a:prstGeom>
+          <a:solidFill>
+            <a:schemeClr val="tx1"/>
+          </a:solidFill>
+          <a:ln>
+            <a:solidFill>
+              <a:schemeClr val="bg1"/>
+            </a:solidFill>
+          </a:ln>
+        </p:spPr>
+        <p:style>
+          <a:lnRef idx="2">
+            <a:schemeClr val="accent1">
+              <a:shade val="50000"/>
+            </a:schemeClr>
+          </a:lnRef>
+          <a:fillRef idx="1">
+            <a:schemeClr val="accent1"/>
+          </a:fillRef>
+          <a:effectRef idx="0">
+            <a:schemeClr val="accent1"/>
+          </a:effectRef>
+          <a:fontRef idx="minor">
+            <a:schemeClr val="lt1"/>
+          </a:fontRef>
+        </p:style>
+        <p:txBody>
+          <a:bodyPr lIns="68681" tIns="34340" rIns="68681" bIns="34340" anchor="b"/>
+          <a:lstStyle/>
+          <a:p>
+            <a:pPr defTabSz="343403" eaLnBrk="1" fontAlgn="auto" hangingPunct="1">
+              <a:spcBef>
+                <a:spcPts val="0"/>
+              </a:spcBef>
+              <a:spcAft>
+                <a:spcPts val="0"/>
+              </a:spcAft>
+              <a:defRPr/>
+            </a:pPr>
+            <a:r>
+              <a:rPr lang="en-US" dirty="0" smtClean="0">
+                <a:latin typeface="Open Sans Light" charset="0"/>
+                <a:ea typeface="Open Sans Light" charset="0"/>
+                <a:cs typeface="Open Sans Light" charset="0"/>
+              </a:rPr>
+              <a:t>Jekyll</a:t>
+            </a:r>
+            <a:endParaRPr lang="en-US" sz="1800" dirty="0">
+              <a:latin typeface="Open Sans Light" charset="0"/>
+              <a:ea typeface="Open Sans Light" charset="0"/>
+              <a:cs typeface="Open Sans Light" charset="0"/>
+            </a:endParaRPr>
+          </a:p>
+        </p:txBody>
+      </p:sp>
+      <p:cxnSp>
+        <p:nvCxnSpPr>
+          <p:cNvPr id="95" name="Straight Connector 157"/>
+          <p:cNvCxnSpPr/>
+          <p:nvPr/>
+        </p:nvCxnSpPr>
+        <p:spPr>
+          <a:xfrm>
+            <a:off x="2825466" y="4534917"/>
+            <a:ext cx="2420433" cy="1250279"/>
+          </a:xfrm>
+          <a:prstGeom prst="straightConnector1">
+            <a:avLst/>
+          </a:prstGeom>
+          <a:ln w="25400">
+            <a:solidFill>
+              <a:schemeClr val="tx1"/>
+            </a:solidFill>
+            <a:prstDash val="solid"/>
+            <a:headEnd type="none" w="lg" len="lg"/>
+            <a:tailEnd type="triangle" w="lg" len="lg"/>
+          </a:ln>
+        </p:spPr>
+        <p:style>
+          <a:lnRef idx="1">
+            <a:schemeClr val="accent1"/>
+          </a:lnRef>
+          <a:fillRef idx="0">
+            <a:schemeClr val="accent1"/>
+          </a:fillRef>
+          <a:effectRef idx="0">
+            <a:schemeClr val="accent1"/>
+          </a:effectRef>
+          <a:fontRef idx="minor">
+            <a:schemeClr val="tx1"/>
+          </a:fontRef>
+        </p:style>
+      </p:cxnSp>
+      <p:sp>
+        <p:nvSpPr>
+          <p:cNvPr id="152" name="Rounded Rectangle 151"/>
+          <p:cNvSpPr/>
+          <p:nvPr/>
+        </p:nvSpPr>
+        <p:spPr>
+          <a:xfrm>
+            <a:off x="7415529" y="3274852"/>
+            <a:ext cx="1418831" cy="345044"/>
+          </a:xfrm>
+          <a:prstGeom prst="roundRect">
+            <a:avLst>
+              <a:gd name="adj" fmla="val 50000"/>
+            </a:avLst>
+          </a:prstGeom>
+          <a:noFill/>
+          <a:ln>
+            <a:noFill/>
+          </a:ln>
+          <a:effectLst/>
+        </p:spPr>
+        <p:style>
+          <a:lnRef idx="1">
+            <a:schemeClr val="accent1"/>
+          </a:lnRef>
+          <a:fillRef idx="3">
+            <a:schemeClr val="accent1"/>
+          </a:fillRef>
+          <a:effectRef idx="2">
+            <a:schemeClr val="accent1"/>
+          </a:effectRef>
+          <a:fontRef idx="minor">
+            <a:schemeClr val="lt1"/>
+          </a:fontRef>
+        </p:style>
+        <p:txBody>
+          <a:bodyPr anchor="b"/>
+          <a:lstStyle/>
+          <a:p>
+            <a:pPr algn="r"/>
+            <a:r>
+              <a:rPr lang="en-US" sz="600" dirty="0" smtClean="0">
+                <a:solidFill>
+                  <a:schemeClr val="bg1">
+                    <a:lumMod val="75000"/>
+                  </a:schemeClr>
+                </a:solidFill>
+                <a:latin typeface="Open Sans Light"/>
+                <a:cs typeface="Open Sans Light"/>
+              </a:rPr>
+              <a:t>website-dependencies-v01.pptx.</a:t>
+            </a:r>
+          </a:p>
+          <a:p>
+            <a:pPr algn="r"/>
+            <a:r>
+              <a:rPr lang="en-US" sz="600" dirty="0" smtClean="0">
+                <a:solidFill>
+                  <a:schemeClr val="bg1">
+                    <a:lumMod val="75000"/>
+                  </a:schemeClr>
+                </a:solidFill>
+                <a:latin typeface="Open Sans Light"/>
+                <a:cs typeface="Open Sans Light"/>
+              </a:rPr>
+              <a:t>Copyright 2016 Wilson Mar. </a:t>
+            </a:r>
+            <a:br>
+              <a:rPr lang="en-US" sz="600" dirty="0" smtClean="0">
+                <a:solidFill>
+                  <a:schemeClr val="bg1">
+                    <a:lumMod val="75000"/>
+                  </a:schemeClr>
+                </a:solidFill>
+                <a:latin typeface="Open Sans Light"/>
+                <a:cs typeface="Open Sans Light"/>
+              </a:rPr>
+            </a:br>
+            <a:r>
+              <a:rPr lang="en-US" sz="600" dirty="0" smtClean="0">
+                <a:solidFill>
+                  <a:schemeClr val="bg1">
+                    <a:lumMod val="75000"/>
+                  </a:schemeClr>
+                </a:solidFill>
+                <a:latin typeface="Open Sans Light"/>
+                <a:cs typeface="Open Sans Light"/>
+              </a:rPr>
+              <a:t>All rights reserved.</a:t>
+            </a:r>
+            <a:endParaRPr lang="en-US" sz="600" dirty="0">
+              <a:solidFill>
+                <a:schemeClr val="bg1">
+                  <a:lumMod val="75000"/>
+                </a:schemeClr>
+              </a:solidFill>
+              <a:latin typeface="Open Sans Light"/>
+              <a:cs typeface="Open Sans Light"/>
+            </a:endParaRPr>
+          </a:p>
+        </p:txBody>
+      </p:sp>
+      <p:sp>
+        <p:nvSpPr>
+          <p:cNvPr id="241" name="Rectangle 240"/>
+          <p:cNvSpPr/>
+          <p:nvPr/>
+        </p:nvSpPr>
+        <p:spPr>
+          <a:xfrm>
+            <a:off x="1830085" y="749367"/>
+            <a:ext cx="925579" cy="325801"/>
+          </a:xfrm>
+          <a:prstGeom prst="rect">
+            <a:avLst/>
+          </a:prstGeom>
+          <a:solidFill>
+            <a:schemeClr val="tx1"/>
+          </a:solidFill>
+          <a:ln>
+            <a:solidFill>
+              <a:schemeClr val="bg1"/>
+            </a:solidFill>
+          </a:ln>
+        </p:spPr>
+        <p:style>
+          <a:lnRef idx="2">
+            <a:schemeClr val="accent1">
+              <a:shade val="50000"/>
+            </a:schemeClr>
+          </a:lnRef>
+          <a:fillRef idx="1">
+            <a:schemeClr val="accent1"/>
+          </a:fillRef>
+          <a:effectRef idx="0">
+            <a:schemeClr val="accent1"/>
+          </a:effectRef>
+          <a:fontRef idx="minor">
+            <a:schemeClr val="lt1"/>
+          </a:fontRef>
+        </p:style>
+        <p:txBody>
+          <a:bodyPr lIns="68681" tIns="34340" rIns="68681" bIns="34340" anchor="ctr"/>
+          <a:lstStyle/>
+          <a:p>
+            <a:pPr defTabSz="343403" eaLnBrk="1" fontAlgn="auto" hangingPunct="1">
+              <a:spcBef>
+                <a:spcPts val="0"/>
+              </a:spcBef>
+              <a:spcAft>
+                <a:spcPts val="0"/>
+              </a:spcAft>
+              <a:defRPr/>
+            </a:pPr>
+            <a:r>
+              <a:rPr lang="en-US" dirty="0" smtClean="0">
+                <a:latin typeface="Open Sans Light" charset="0"/>
+                <a:ea typeface="Open Sans Light" charset="0"/>
+                <a:cs typeface="Open Sans Light" charset="0"/>
+              </a:rPr>
+              <a:t>plugins</a:t>
+            </a:r>
+            <a:endParaRPr lang="en-US" sz="1800" dirty="0">
+              <a:latin typeface="Open Sans Light" charset="0"/>
+              <a:ea typeface="Open Sans Light" charset="0"/>
+              <a:cs typeface="Open Sans Light" charset="0"/>
+            </a:endParaRPr>
+          </a:p>
+        </p:txBody>
+      </p:sp>
+      <p:sp>
+        <p:nvSpPr>
+          <p:cNvPr id="108" name="Rectangle 107"/>
+          <p:cNvSpPr/>
+          <p:nvPr/>
+        </p:nvSpPr>
+        <p:spPr>
+          <a:xfrm rot="16200000">
+            <a:off x="877913" y="3016763"/>
+            <a:ext cx="5942374" cy="830459"/>
+          </a:xfrm>
+          <a:prstGeom prst="rect">
+            <a:avLst/>
+          </a:prstGeom>
+          <a:solidFill>
+            <a:schemeClr val="accent3"/>
+          </a:solidFill>
+          <a:ln>
+            <a:solidFill>
+              <a:schemeClr val="bg1"/>
+            </a:solidFill>
+          </a:ln>
+        </p:spPr>
+        <p:style>
+          <a:lnRef idx="2">
+            <a:schemeClr val="accent1">
+              <a:shade val="50000"/>
+            </a:schemeClr>
+          </a:lnRef>
+          <a:fillRef idx="1">
+            <a:schemeClr val="accent1"/>
+          </a:fillRef>
+          <a:effectRef idx="0">
+            <a:schemeClr val="accent1"/>
+          </a:effectRef>
+          <a:fontRef idx="minor">
+            <a:schemeClr val="lt1"/>
+          </a:fontRef>
+        </p:style>
+        <p:txBody>
+          <a:bodyPr lIns="68681" tIns="34340" rIns="68681" bIns="34340" anchor="b"/>
+          <a:lstStyle/>
+          <a:p>
+            <a:pPr algn="ctr" defTabSz="343403" eaLnBrk="1" fontAlgn="auto" hangingPunct="1">
+              <a:spcBef>
+                <a:spcPts val="0"/>
+              </a:spcBef>
+              <a:spcAft>
+                <a:spcPts val="0"/>
+              </a:spcAft>
+              <a:defRPr/>
+            </a:pPr>
+            <a:r>
+              <a:rPr lang="en-US" sz="1800" dirty="0" smtClean="0">
+                <a:latin typeface="Open Sans Light" charset="0"/>
+                <a:ea typeface="Open Sans Light" charset="0"/>
+                <a:cs typeface="Open Sans Light" charset="0"/>
+              </a:rPr>
+              <a:t>bundle exec Jekyll serve</a:t>
+            </a:r>
+            <a:endParaRPr lang="en-US" sz="1800" dirty="0">
+              <a:latin typeface="Open Sans Light" charset="0"/>
+              <a:ea typeface="Open Sans Light" charset="0"/>
+              <a:cs typeface="Open Sans Light" charset="0"/>
+            </a:endParaRPr>
+          </a:p>
+        </p:txBody>
+      </p:sp>
+      <p:cxnSp>
+        <p:nvCxnSpPr>
+          <p:cNvPr id="158" name="Straight Connector 157"/>
+          <p:cNvCxnSpPr>
+            <a:stCxn id="192" idx="3"/>
+          </p:cNvCxnSpPr>
+          <p:nvPr/>
+        </p:nvCxnSpPr>
+        <p:spPr>
+          <a:xfrm>
+            <a:off x="2158412" y="5570850"/>
+            <a:ext cx="1480865" cy="0"/>
+          </a:xfrm>
+          <a:prstGeom prst="straightConnector1">
+            <a:avLst/>
+          </a:prstGeom>
+          <a:ln w="25400">
+            <a:solidFill>
+              <a:schemeClr val="tx1"/>
+            </a:solidFill>
+            <a:prstDash val="solid"/>
+            <a:headEnd type="none" w="lg" len="lg"/>
+            <a:tailEnd type="triangle" w="lg" len="lg"/>
+          </a:ln>
+        </p:spPr>
+        <p:style>
+          <a:lnRef idx="1">
+            <a:schemeClr val="accent1"/>
+          </a:lnRef>
+          <a:fillRef idx="0">
+            <a:schemeClr val="accent1"/>
+          </a:fillRef>
+          <a:effectRef idx="0">
+            <a:schemeClr val="accent1"/>
+          </a:effectRef>
+          <a:fontRef idx="minor">
+            <a:schemeClr val="tx1"/>
+          </a:fontRef>
+        </p:style>
+      </p:cxnSp>
+      <p:cxnSp>
+        <p:nvCxnSpPr>
+          <p:cNvPr id="200" name="Straight Connector 157"/>
+          <p:cNvCxnSpPr>
+            <a:stCxn id="56" idx="2"/>
+          </p:cNvCxnSpPr>
+          <p:nvPr/>
+        </p:nvCxnSpPr>
+        <p:spPr>
+          <a:xfrm>
+            <a:off x="1954949" y="1838237"/>
+            <a:ext cx="1684328" cy="470571"/>
+          </a:xfrm>
+          <a:prstGeom prst="straightConnector1">
+            <a:avLst/>
+          </a:prstGeom>
+          <a:ln w="25400">
+            <a:solidFill>
+              <a:schemeClr val="tx1"/>
+            </a:solidFill>
+            <a:prstDash val="solid"/>
+            <a:headEnd type="none" w="lg" len="lg"/>
+            <a:tailEnd type="triangle" w="lg" len="lg"/>
+          </a:ln>
+        </p:spPr>
+        <p:style>
+          <a:lnRef idx="1">
+            <a:schemeClr val="accent1"/>
+          </a:lnRef>
+          <a:fillRef idx="0">
+            <a:schemeClr val="accent1"/>
+          </a:fillRef>
+          <a:effectRef idx="0">
+            <a:schemeClr val="accent1"/>
+          </a:effectRef>
+          <a:fontRef idx="minor">
+            <a:schemeClr val="tx1"/>
+          </a:fontRef>
+        </p:style>
+      </p:cxnSp>
+      <p:sp>
+        <p:nvSpPr>
+          <p:cNvPr id="28" name="TextBox 27"/>
+          <p:cNvSpPr txBox="1"/>
+          <p:nvPr/>
+        </p:nvSpPr>
+        <p:spPr>
+          <a:xfrm>
+            <a:off x="4335639" y="4988278"/>
+            <a:ext cx="184666" cy="369332"/>
+          </a:xfrm>
+          <a:prstGeom prst="rect">
+            <a:avLst/>
+          </a:prstGeom>
+          <a:noFill/>
+        </p:spPr>
+        <p:txBody>
+          <a:bodyPr wrap="none" rtlCol="0">
+            <a:spAutoFit/>
+          </a:bodyPr>
+          <a:lstStyle/>
+          <a:p>
+            <a:endParaRPr lang="en-US" dirty="0"/>
+          </a:p>
+        </p:txBody>
+      </p:sp>
     </p:spTree>
     <p:extLst>
       <p:ext uri="{BB962C8B-B14F-4D97-AF65-F5344CB8AC3E}">
@@ -6535,9 +6837,6 @@
                     <p:cTn id="3" fill="hold">
                       <p:stCondLst>
                         <p:cond delay="indefinite"/>
-                        <p:cond evt="onBegin" delay="0">
-                          <p:tn val="2"/>
-                        </p:cond>
                       </p:stCondLst>
                       <p:childTnLst>
                         <p:par>
@@ -6547,7 +6846,7 @@
                             </p:stCondLst>
                             <p:childTnLst>
                               <p:par>
-                                <p:cTn id="5" presetID="1" presetClass="entr" presetSubtype="0" fill="hold" grpId="0" nodeType="withEffect">
+                                <p:cTn id="5" presetID="1" presetClass="entr" presetSubtype="0" fill="hold" grpId="0" nodeType="clickEffect">
                                   <p:stCondLst>
                                     <p:cond delay="0"/>
                                   </p:stCondLst>
@@ -6560,7 +6859,7 @@
                                           </p:stCondLst>
                                         </p:cTn>
                                         <p:tgtEl>
-                                          <p:spTgt spid="53"/>
+                                          <p:spTgt spid="62"/>
                                         </p:tgtEl>
                                         <p:attrNameLst>
                                           <p:attrName>style.visibility</p:attrName>
@@ -6587,7 +6886,7 @@
                                           </p:stCondLst>
                                         </p:cTn>
                                         <p:tgtEl>
-                                          <p:spTgt spid="158"/>
+                                          <p:spTgt spid="115"/>
                                         </p:tgtEl>
                                         <p:attrNameLst>
                                           <p:attrName>style.visibility</p:attrName>
@@ -6600,21 +6899,39 @@
                                   </p:childTnLst>
                                 </p:cTn>
                               </p:par>
+                            </p:childTnLst>
+                          </p:cTn>
+                        </p:par>
+                      </p:childTnLst>
+                    </p:cTn>
+                  </p:par>
+                  <p:par>
+                    <p:cTn id="9" fill="hold">
+                      <p:stCondLst>
+                        <p:cond delay="indefinite"/>
+                      </p:stCondLst>
+                      <p:childTnLst>
+                        <p:par>
+                          <p:cTn id="10" fill="hold">
+                            <p:stCondLst>
+                              <p:cond delay="0"/>
+                            </p:stCondLst>
+                            <p:childTnLst>
                               <p:par>
-                                <p:cTn id="9" presetID="1" presetClass="entr" presetSubtype="0" fill="hold" grpId="0" nodeType="withEffect">
+                                <p:cTn id="11" presetID="1" presetClass="entr" presetSubtype="0" fill="hold" grpId="0" nodeType="clickEffect">
                                   <p:stCondLst>
                                     <p:cond delay="0"/>
                                   </p:stCondLst>
                                   <p:childTnLst>
                                     <p:set>
                                       <p:cBhvr>
-                                        <p:cTn id="10" dur="1" fill="hold">
+                                        <p:cTn id="12" dur="1" fill="hold">
                                           <p:stCondLst>
                                             <p:cond delay="0"/>
                                           </p:stCondLst>
                                         </p:cTn>
                                         <p:tgtEl>
-                                          <p:spTgt spid="47"/>
+                                          <p:spTgt spid="86"/>
                                         </p:tgtEl>
                                         <p:attrNameLst>
                                           <p:attrName>style.visibility</p:attrName>
@@ -6627,21 +6944,39 @@
                                   </p:childTnLst>
                                 </p:cTn>
                               </p:par>
+                            </p:childTnLst>
+                          </p:cTn>
+                        </p:par>
+                      </p:childTnLst>
+                    </p:cTn>
+                  </p:par>
+                  <p:par>
+                    <p:cTn id="13" fill="hold">
+                      <p:stCondLst>
+                        <p:cond delay="indefinite"/>
+                      </p:stCondLst>
+                      <p:childTnLst>
+                        <p:par>
+                          <p:cTn id="14" fill="hold">
+                            <p:stCondLst>
+                              <p:cond delay="0"/>
+                            </p:stCondLst>
+                            <p:childTnLst>
                               <p:par>
-                                <p:cTn id="11" presetID="1" presetClass="entr" presetSubtype="0" fill="hold" grpId="0" nodeType="withEffect">
+                                <p:cTn id="15" presetID="1" presetClass="entr" presetSubtype="0" fill="hold" grpId="0" nodeType="clickEffect">
                                   <p:stCondLst>
                                     <p:cond delay="0"/>
                                   </p:stCondLst>
                                   <p:childTnLst>
                                     <p:set>
                                       <p:cBhvr>
-                                        <p:cTn id="12" dur="1" fill="hold">
+                                        <p:cTn id="16" dur="1" fill="hold">
                                           <p:stCondLst>
                                             <p:cond delay="0"/>
                                           </p:stCondLst>
                                         </p:cTn>
                                         <p:tgtEl>
-                                          <p:spTgt spid="48"/>
+                                          <p:spTgt spid="104"/>
                                         </p:tgtEl>
                                         <p:attrNameLst>
                                           <p:attrName>style.visibility</p:attrName>
@@ -6654,89 +6989,26 @@
                                   </p:childTnLst>
                                 </p:cTn>
                               </p:par>
+                            </p:childTnLst>
+                          </p:cTn>
+                        </p:par>
+                      </p:childTnLst>
+                    </p:cTn>
+                  </p:par>
+                  <p:par>
+                    <p:cTn id="17" fill="hold">
+                      <p:stCondLst>
+                        <p:cond delay="indefinite"/>
+                      </p:stCondLst>
+                      <p:childTnLst>
+                        <p:par>
+                          <p:cTn id="18" fill="hold">
+                            <p:stCondLst>
+                              <p:cond delay="0"/>
+                            </p:stCondLst>
+                            <p:childTnLst>
                               <p:par>
-                                <p:cTn id="13" presetID="1" presetClass="entr" presetSubtype="0" fill="hold" grpId="0" nodeType="withEffect">
-                                  <p:stCondLst>
-                                    <p:cond delay="0"/>
-                                  </p:stCondLst>
-                                  <p:childTnLst>
-                                    <p:set>
-                                      <p:cBhvr>
-                                        <p:cTn id="14" dur="1" fill="hold">
-                                          <p:stCondLst>
-                                            <p:cond delay="0"/>
-                                          </p:stCondLst>
-                                        </p:cTn>
-                                        <p:tgtEl>
-                                          <p:spTgt spid="49"/>
-                                        </p:tgtEl>
-                                        <p:attrNameLst>
-                                          <p:attrName>style.visibility</p:attrName>
-                                        </p:attrNameLst>
-                                      </p:cBhvr>
-                                      <p:to>
-                                        <p:strVal val="visible"/>
-                                      </p:to>
-                                    </p:set>
-                                  </p:childTnLst>
-                                </p:cTn>
-                              </p:par>
-                              <p:par>
-                                <p:cTn id="15" presetID="1" presetClass="entr" presetSubtype="0" fill="hold" grpId="0" nodeType="withEffect">
-                                  <p:stCondLst>
-                                    <p:cond delay="0"/>
-                                  </p:stCondLst>
-                                  <p:childTnLst>
-                                    <p:set>
-                                      <p:cBhvr>
-                                        <p:cTn id="16" dur="1" fill="hold">
-                                          <p:stCondLst>
-                                            <p:cond delay="0"/>
-                                          </p:stCondLst>
-                                        </p:cTn>
-                                        <p:tgtEl>
-                                          <p:spTgt spid="51"/>
-                                        </p:tgtEl>
-                                        <p:attrNameLst>
-                                          <p:attrName>style.visibility</p:attrName>
-                                        </p:attrNameLst>
-                                      </p:cBhvr>
-                                      <p:to>
-                                        <p:strVal val="visible"/>
-                                      </p:to>
-                                    </p:set>
-                                  </p:childTnLst>
-                                </p:cTn>
-                              </p:par>
-                              <p:par>
-                                <p:cTn id="17" presetID="1" presetClass="entr" presetSubtype="0" fill="hold" grpId="0" nodeType="withEffect">
-                                  <p:stCondLst>
-                                    <p:cond delay="0"/>
-                                  </p:stCondLst>
-                                  <p:childTnLst>
-                                    <p:set>
-                                      <p:cBhvr>
-                                        <p:cTn id="18" dur="1" fill="hold">
-                                          <p:stCondLst>
-                                            <p:cond delay="0"/>
-                                          </p:stCondLst>
-                                        </p:cTn>
-                                        <p:tgtEl>
-                                          <p:spTgt spid="52"/>
-                                        </p:tgtEl>
-                                        <p:attrNameLst>
-                                          <p:attrName>style.visibility</p:attrName>
-                                        </p:attrNameLst>
-                                      </p:cBhvr>
-                                      <p:to>
-                                        <p:strVal val="visible"/>
-                                      </p:to>
-                                    </p:set>
-                                  </p:childTnLst>
-                                </p:cTn>
-                              </p:par>
-                              <p:par>
-                                <p:cTn id="19" presetID="1" presetClass="entr" presetSubtype="0" fill="hold" grpId="0" nodeType="withEffect">
+                                <p:cTn id="19" presetID="1" presetClass="entr" presetSubtype="0" fill="hold" grpId="0" nodeType="clickEffect">
                                   <p:stCondLst>
                                     <p:cond delay="0"/>
                                   </p:stCondLst>
@@ -6749,7 +7021,7 @@
                                           </p:stCondLst>
                                         </p:cTn>
                                         <p:tgtEl>
-                                          <p:spTgt spid="57"/>
+                                          <p:spTgt spid="72"/>
                                         </p:tgtEl>
                                         <p:attrNameLst>
                                           <p:attrName>style.visibility</p:attrName>
@@ -6776,7 +7048,7 @@
                                           </p:stCondLst>
                                         </p:cTn>
                                         <p:tgtEl>
-                                          <p:spTgt spid="56"/>
+                                          <p:spTgt spid="87"/>
                                         </p:tgtEl>
                                         <p:attrNameLst>
                                           <p:attrName>style.visibility</p:attrName>
@@ -6803,7 +7075,7 @@
                                           </p:stCondLst>
                                         </p:cTn>
                                         <p:tgtEl>
-                                          <p:spTgt spid="58"/>
+                                          <p:spTgt spid="121"/>
                                         </p:tgtEl>
                                         <p:attrNameLst>
                                           <p:attrName>style.visibility</p:attrName>
@@ -6830,7 +7102,7 @@
                                           </p:stCondLst>
                                         </p:cTn>
                                         <p:tgtEl>
-                                          <p:spTgt spid="59"/>
+                                          <p:spTgt spid="215"/>
                                         </p:tgtEl>
                                         <p:attrNameLst>
                                           <p:attrName>style.visibility</p:attrName>
@@ -6844,7 +7116,7 @@
                                 </p:cTn>
                               </p:par>
                               <p:par>
-                                <p:cTn id="27" presetID="1" presetClass="entr" presetSubtype="0" fill="hold" grpId="0" nodeType="withEffect">
+                                <p:cTn id="27" presetID="1" presetClass="entr" presetSubtype="0" fill="hold" nodeType="withEffect">
                                   <p:stCondLst>
                                     <p:cond delay="0"/>
                                   </p:stCondLst>
@@ -6857,7 +7129,7 @@
                                           </p:stCondLst>
                                         </p:cTn>
                                         <p:tgtEl>
-                                          <p:spTgt spid="62"/>
+                                          <p:spTgt spid="74"/>
                                         </p:tgtEl>
                                         <p:attrNameLst>
                                           <p:attrName>style.visibility</p:attrName>
@@ -6884,7 +7156,7 @@
                                           </p:stCondLst>
                                         </p:cTn>
                                         <p:tgtEl>
-                                          <p:spTgt spid="66"/>
+                                          <p:spTgt spid="120"/>
                                         </p:tgtEl>
                                         <p:attrNameLst>
                                           <p:attrName>style.visibility</p:attrName>
@@ -6983,7 +7255,7 @@
                                           </p:stCondLst>
                                         </p:cTn>
                                         <p:tgtEl>
-                                          <p:spTgt spid="72"/>
+                                          <p:spTgt spid="81"/>
                                         </p:tgtEl>
                                         <p:attrNameLst>
                                           <p:attrName>style.visibility</p:attrName>
@@ -7010,7 +7282,7 @@
                                           </p:stCondLst>
                                         </p:cTn>
                                         <p:tgtEl>
-                                          <p:spTgt spid="74"/>
+                                          <p:spTgt spid="91"/>
                                         </p:tgtEl>
                                         <p:attrNameLst>
                                           <p:attrName>style.visibility</p:attrName>
@@ -7024,7 +7296,7 @@
                                 </p:cTn>
                               </p:par>
                               <p:par>
-                                <p:cTn id="41" presetID="1" presetClass="entr" presetSubtype="0" fill="hold" nodeType="withEffect">
+                                <p:cTn id="41" presetID="1" presetClass="entr" presetSubtype="0" fill="hold" grpId="0" nodeType="withEffect">
                                   <p:stCondLst>
                                     <p:cond delay="0"/>
                                   </p:stCondLst>
@@ -7037,7 +7309,7 @@
                                           </p:stCondLst>
                                         </p:cTn>
                                         <p:tgtEl>
-                                          <p:spTgt spid="78"/>
+                                          <p:spTgt spid="66"/>
                                         </p:tgtEl>
                                         <p:attrNameLst>
                                           <p:attrName>style.visibility</p:attrName>
@@ -7050,35 +7322,26 @@
                                   </p:childTnLst>
                                 </p:cTn>
                               </p:par>
+                            </p:childTnLst>
+                          </p:cTn>
+                        </p:par>
+                      </p:childTnLst>
+                    </p:cTn>
+                  </p:par>
+                  <p:par>
+                    <p:cTn id="43" fill="hold">
+                      <p:stCondLst>
+                        <p:cond delay="indefinite"/>
+                      </p:stCondLst>
+                      <p:childTnLst>
+                        <p:par>
+                          <p:cTn id="44" fill="hold">
+                            <p:stCondLst>
+                              <p:cond delay="0"/>
+                            </p:stCondLst>
+                            <p:childTnLst>
                               <p:par>
-                                <p:cTn id="43" presetID="1" presetClass="entr" presetSubtype="0" fill="hold" grpId="0" nodeType="withEffect">
-                                  <p:stCondLst>
-                                    <p:cond delay="0"/>
-                                  </p:stCondLst>
-                                  <p:childTnLst>
-                                    <p:set>
-                                      <p:cBhvr>
-                                        <p:cTn id="44" dur="1" fill="hold">
-                                          <p:stCondLst>
-                                            <p:cond delay="0"/>
-                                          </p:stCondLst>
-                                        </p:cTn>
-                                        <p:tgtEl>
-                                          <p:spTgt spid="81"/>
-                                        </p:tgtEl>
-                                        <p:attrNameLst>
-                                          <p:attrName>style.visibility</p:attrName>
-                                        </p:attrNameLst>
-                                      </p:cBhvr>
-                                      <p:to>
-                                        <p:strVal val="visible"/>
-                                      </p:to>
-                                    </p:set>
-                                  </p:childTnLst>
-                                </p:cTn>
-                              </p:par>
-                              <p:par>
-                                <p:cTn id="45" presetID="1" presetClass="entr" presetSubtype="0" fill="hold" grpId="0" nodeType="withEffect">
+                                <p:cTn id="45" presetID="1" presetClass="entr" presetSubtype="0" fill="hold" nodeType="clickEffect">
                                   <p:stCondLst>
                                     <p:cond delay="0"/>
                                   </p:stCondLst>
@@ -7091,7 +7354,7 @@
                                           </p:stCondLst>
                                         </p:cTn>
                                         <p:tgtEl>
-                                          <p:spTgt spid="86"/>
+                                          <p:spTgt spid="229"/>
                                         </p:tgtEl>
                                         <p:attrNameLst>
                                           <p:attrName>style.visibility</p:attrName>
@@ -7118,7 +7381,7 @@
                                           </p:stCondLst>
                                         </p:cTn>
                                         <p:tgtEl>
-                                          <p:spTgt spid="87"/>
+                                          <p:spTgt spid="232"/>
                                         </p:tgtEl>
                                         <p:attrNameLst>
                                           <p:attrName>style.visibility</p:attrName>
@@ -7131,21 +7394,39 @@
                                   </p:childTnLst>
                                 </p:cTn>
                               </p:par>
+                            </p:childTnLst>
+                          </p:cTn>
+                        </p:par>
+                      </p:childTnLst>
+                    </p:cTn>
+                  </p:par>
+                  <p:par>
+                    <p:cTn id="49" fill="hold">
+                      <p:stCondLst>
+                        <p:cond delay="indefinite"/>
+                      </p:stCondLst>
+                      <p:childTnLst>
+                        <p:par>
+                          <p:cTn id="50" fill="hold">
+                            <p:stCondLst>
+                              <p:cond delay="0"/>
+                            </p:stCondLst>
+                            <p:childTnLst>
                               <p:par>
-                                <p:cTn id="49" presetID="1" presetClass="entr" presetSubtype="0" fill="hold" nodeType="withEffect">
+                                <p:cTn id="51" presetID="1" presetClass="entr" presetSubtype="0" fill="hold" grpId="0" nodeType="clickEffect">
                                   <p:stCondLst>
                                     <p:cond delay="0"/>
                                   </p:stCondLst>
                                   <p:childTnLst>
                                     <p:set>
                                       <p:cBhvr>
-                                        <p:cTn id="50" dur="1" fill="hold">
+                                        <p:cTn id="52" dur="1" fill="hold">
                                           <p:stCondLst>
                                             <p:cond delay="0"/>
                                           </p:stCondLst>
                                         </p:cTn>
                                         <p:tgtEl>
-                                          <p:spTgt spid="91"/>
+                                          <p:spTgt spid="108"/>
                                         </p:tgtEl>
                                         <p:attrNameLst>
                                           <p:attrName>style.visibility</p:attrName>
@@ -7158,62 +7439,26 @@
                                   </p:childTnLst>
                                 </p:cTn>
                               </p:par>
+                            </p:childTnLst>
+                          </p:cTn>
+                        </p:par>
+                      </p:childTnLst>
+                    </p:cTn>
+                  </p:par>
+                  <p:par>
+                    <p:cTn id="53" fill="hold">
+                      <p:stCondLst>
+                        <p:cond delay="indefinite"/>
+                      </p:stCondLst>
+                      <p:childTnLst>
+                        <p:par>
+                          <p:cTn id="54" fill="hold">
+                            <p:stCondLst>
+                              <p:cond delay="0"/>
+                            </p:stCondLst>
+                            <p:childTnLst>
                               <p:par>
-                                <p:cTn id="51" presetID="1" presetClass="entr" presetSubtype="0" fill="hold" nodeType="withEffect">
-                                  <p:stCondLst>
-                                    <p:cond delay="0"/>
-                                  </p:stCondLst>
-                                  <p:childTnLst>
-                                    <p:set>
-                                      <p:cBhvr>
-                                        <p:cTn id="52" dur="1" fill="hold">
-                                          <p:stCondLst>
-                                            <p:cond delay="0"/>
-                                          </p:stCondLst>
-                                        </p:cTn>
-                                        <p:tgtEl>
-                                          <p:spTgt spid="93"/>
-                                        </p:tgtEl>
-                                        <p:attrNameLst>
-                                          <p:attrName>style.visibility</p:attrName>
-                                        </p:attrNameLst>
-                                      </p:cBhvr>
-                                      <p:to>
-                                        <p:strVal val="visible"/>
-                                      </p:to>
-                                    </p:set>
-                                  </p:childTnLst>
-                                </p:cTn>
-                              </p:par>
-                              <p:par>
-                                <p:cTn id="53" presetID="1" presetClass="entr" presetSubtype="0" fill="hold" grpId="0" nodeType="withEffect">
-                                  <p:stCondLst>
-                                    <p:cond delay="0"/>
-                                  </p:stCondLst>
-                                  <p:childTnLst>
-                                    <p:set>
-                                      <p:cBhvr>
-                                        <p:cTn id="54" dur="1" fill="hold">
-                                          <p:stCondLst>
-                                            <p:cond delay="0"/>
-                                          </p:stCondLst>
-                                        </p:cTn>
-                                        <p:tgtEl>
-                                          <p:spTgt spid="107"/>
-                                        </p:tgtEl>
-                                        <p:attrNameLst>
-                                          <p:attrName>style.visibility</p:attrName>
-                                        </p:attrNameLst>
-                                      </p:cBhvr>
-                                      <p:to>
-                                        <p:strVal val="visible"/>
-                                      </p:to>
-                                    </p:set>
-                                  </p:childTnLst>
-                                </p:cTn>
-                              </p:par>
-                              <p:par>
-                                <p:cTn id="55" presetID="1" presetClass="entr" presetSubtype="0" fill="hold" grpId="0" nodeType="withEffect">
+                                <p:cTn id="55" presetID="1" presetClass="entr" presetSubtype="0" fill="hold" grpId="0" nodeType="clickEffect">
                                   <p:stCondLst>
                                     <p:cond delay="0"/>
                                   </p:stCondLst>
@@ -7226,7 +7471,7 @@
                                           </p:stCondLst>
                                         </p:cTn>
                                         <p:tgtEl>
-                                          <p:spTgt spid="108"/>
+                                          <p:spTgt spid="53"/>
                                         </p:tgtEl>
                                         <p:attrNameLst>
                                           <p:attrName>style.visibility</p:attrName>
@@ -7253,7 +7498,34 @@
                                           </p:stCondLst>
                                         </p:cTn>
                                         <p:tgtEl>
-                                          <p:spTgt spid="115"/>
+                                          <p:spTgt spid="93"/>
+                                        </p:tgtEl>
+                                        <p:attrNameLst>
+                                          <p:attrName>style.visibility</p:attrName>
+                                        </p:attrNameLst>
+                                      </p:cBhvr>
+                                      <p:to>
+                                        <p:strVal val="visible"/>
+                                      </p:to>
+                                    </p:set>
+                                  </p:childTnLst>
+                                </p:cTn>
+                              </p:par>
+                              <p:par>
+                                <p:cTn id="59" presetID="1" presetClass="entr" presetSubtype="0" fill="hold" nodeType="withEffect">
+                                  <p:stCondLst>
+                                    <p:cond delay="0"/>
+                                  </p:stCondLst>
+                                  <p:childTnLst>
+                                    <p:set>
+                                      <p:cBhvr>
+                                        <p:cTn id="60" dur="1" fill="hold">
+                                          <p:stCondLst>
+                                            <p:cond delay="0"/>
+                                          </p:stCondLst>
+                                        </p:cTn>
+                                        <p:tgtEl>
+                                          <p:spTgt spid="78"/>
                                         </p:tgtEl>
                                         <p:attrNameLst>
                                           <p:attrName>style.visibility</p:attrName>
@@ -7273,46 +7545,19 @@
                     </p:cTn>
                   </p:par>
                   <p:par>
-                    <p:cTn id="59" fill="hold">
+                    <p:cTn id="61" fill="hold">
                       <p:stCondLst>
                         <p:cond delay="indefinite"/>
                       </p:stCondLst>
                       <p:childTnLst>
                         <p:par>
-                          <p:cTn id="60" fill="hold">
+                          <p:cTn id="62" fill="hold">
                             <p:stCondLst>
                               <p:cond delay="0"/>
                             </p:stCondLst>
                             <p:childTnLst>
                               <p:par>
-                                <p:cTn id="61" presetID="1" presetClass="entr" presetSubtype="0" fill="hold" grpId="0" nodeType="clickEffect">
-                                  <p:stCondLst>
-                                    <p:cond delay="0"/>
-                                  </p:stCondLst>
-                                  <p:childTnLst>
-                                    <p:set>
-                                      <p:cBhvr>
-                                        <p:cTn id="62" dur="1" fill="hold">
-                                          <p:stCondLst>
-                                            <p:cond delay="0"/>
-                                          </p:stCondLst>
-                                        </p:cTn>
-                                        <p:tgtEl>
-                                          <p:spTgt spid="121"/>
-                                        </p:tgtEl>
-                                        <p:attrNameLst>
-                                          <p:attrName>style.visibility</p:attrName>
-                                        </p:attrNameLst>
-                                      </p:cBhvr>
-                                      <p:to>
-                                        <p:strVal val="visible"/>
-                                      </p:to>
-                                    </p:set>
-                                  </p:childTnLst>
-                                </p:cTn>
-                              </p:par>
-                              <p:par>
-                                <p:cTn id="63" presetID="1" presetClass="entr" presetSubtype="0" fill="hold" grpId="0" nodeType="withEffect">
+                                <p:cTn id="63" presetID="1" presetClass="entr" presetSubtype="0" fill="hold" nodeType="clickEffect">
                                   <p:stCondLst>
                                     <p:cond delay="0"/>
                                   </p:stCondLst>
@@ -7325,7 +7570,7 @@
                                           </p:stCondLst>
                                         </p:cTn>
                                         <p:tgtEl>
-                                          <p:spTgt spid="120"/>
+                                          <p:spTgt spid="95"/>
                                         </p:tgtEl>
                                         <p:attrNameLst>
                                           <p:attrName>style.visibility</p:attrName>
@@ -7352,7 +7597,7 @@
                                           </p:stCondLst>
                                         </p:cTn>
                                         <p:tgtEl>
-                                          <p:spTgt spid="131"/>
+                                          <p:spTgt spid="84"/>
                                         </p:tgtEl>
                                         <p:attrNameLst>
                                           <p:attrName>style.visibility</p:attrName>
@@ -7379,7 +7624,97 @@
                                           </p:stCondLst>
                                         </p:cTn>
                                         <p:tgtEl>
-                                          <p:spTgt spid="160"/>
+                                          <p:spTgt spid="176"/>
+                                        </p:tgtEl>
+                                        <p:attrNameLst>
+                                          <p:attrName>style.visibility</p:attrName>
+                                        </p:attrNameLst>
+                                      </p:cBhvr>
+                                      <p:to>
+                                        <p:strVal val="visible"/>
+                                      </p:to>
+                                    </p:set>
+                                  </p:childTnLst>
+                                </p:cTn>
+                              </p:par>
+                            </p:childTnLst>
+                          </p:cTn>
+                        </p:par>
+                      </p:childTnLst>
+                    </p:cTn>
+                  </p:par>
+                  <p:par>
+                    <p:cTn id="69" fill="hold">
+                      <p:stCondLst>
+                        <p:cond delay="indefinite"/>
+                      </p:stCondLst>
+                      <p:childTnLst>
+                        <p:par>
+                          <p:cTn id="70" fill="hold">
+                            <p:stCondLst>
+                              <p:cond delay="0"/>
+                            </p:stCondLst>
+                            <p:childTnLst>
+                              <p:par>
+                                <p:cTn id="71" presetID="1" presetClass="entr" presetSubtype="0" fill="hold" grpId="0" nodeType="clickEffect">
+                                  <p:stCondLst>
+                                    <p:cond delay="0"/>
+                                  </p:stCondLst>
+                                  <p:childTnLst>
+                                    <p:set>
+                                      <p:cBhvr>
+                                        <p:cTn id="72" dur="1" fill="hold">
+                                          <p:stCondLst>
+                                            <p:cond delay="0"/>
+                                          </p:stCondLst>
+                                        </p:cTn>
+                                        <p:tgtEl>
+                                          <p:spTgt spid="56"/>
+                                        </p:tgtEl>
+                                        <p:attrNameLst>
+                                          <p:attrName>style.visibility</p:attrName>
+                                        </p:attrNameLst>
+                                      </p:cBhvr>
+                                      <p:to>
+                                        <p:strVal val="visible"/>
+                                      </p:to>
+                                    </p:set>
+                                  </p:childTnLst>
+                                </p:cTn>
+                              </p:par>
+                            </p:childTnLst>
+                          </p:cTn>
+                        </p:par>
+                      </p:childTnLst>
+                    </p:cTn>
+                  </p:par>
+                  <p:par>
+                    <p:cTn id="73" fill="hold">
+                      <p:stCondLst>
+                        <p:cond delay="indefinite"/>
+                      </p:stCondLst>
+                      <p:childTnLst>
+                        <p:par>
+                          <p:cTn id="74" fill="hold">
+                            <p:stCondLst>
+                              <p:cond delay="0"/>
+                            </p:stCondLst>
+                            <p:childTnLst>
+                              <p:par>
+                                <p:cTn id="75" presetID="1" presetClass="entr" presetSubtype="0" fill="hold" grpId="0" nodeType="clickEffect">
+                                  <p:stCondLst>
+                                    <p:cond delay="0"/>
+                                  </p:stCondLst>
+                                  <p:childTnLst>
+                                    <p:set>
+                                      <p:cBhvr>
+                                        <p:cTn id="76" dur="1" fill="hold">
+                                          <p:stCondLst>
+                                            <p:cond delay="0"/>
+                                          </p:stCondLst>
+                                        </p:cTn>
+                                        <p:tgtEl>
+                                          <p:spTgt spid="297"/>
                                         </p:tgtEl>
                                         <p:attrNameLst>
                                           <p:attrName>style.visibility</p:attrName>
@@ -7393,115 +7728,7 @@
                                 </p:cTn>
                               </p:par>
                               <p:par>
-                                <p:cTn id="69" presetID="1" presetClass="entr" presetSubtype="0" fill="hold" grpId="0" nodeType="withEffect">
-                                  <p:stCondLst>
-                                    <p:cond delay="0"/>
-                                  </p:stCondLst>
-                                  <p:childTnLst>
-                                    <p:set>
-                                      <p:cBhvr>
-                                        <p:cTn id="70" dur="1" fill="hold">
-                                          <p:stCondLst>
-                                            <p:cond delay="0"/>
-                                          </p:stCondLst>
-                                        </p:cTn>
-                                        <p:tgtEl>
-                                          <p:spTgt spid="172"/>
-                                        </p:tgtEl>
-                                        <p:attrNameLst>
-                                          <p:attrName>style.visibility</p:attrName>
-                                        </p:attrNameLst>
-                                      </p:cBhvr>
-                                      <p:to>
-                                        <p:strVal val="visible"/>
-                                      </p:to>
-                                    </p:set>
-                                  </p:childTnLst>
-                                </p:cTn>
-                              </p:par>
-                              <p:par>
-                                <p:cTn id="71" presetID="1" presetClass="entr" presetSubtype="0" fill="hold" grpId="0" nodeType="withEffect">
-                                  <p:stCondLst>
-                                    <p:cond delay="0"/>
-                                  </p:stCondLst>
-                                  <p:childTnLst>
-                                    <p:set>
-                                      <p:cBhvr>
-                                        <p:cTn id="72" dur="1" fill="hold">
-                                          <p:stCondLst>
-                                            <p:cond delay="0"/>
-                                          </p:stCondLst>
-                                        </p:cTn>
-                                        <p:tgtEl>
-                                          <p:spTgt spid="176"/>
-                                        </p:tgtEl>
-                                        <p:attrNameLst>
-                                          <p:attrName>style.visibility</p:attrName>
-                                        </p:attrNameLst>
-                                      </p:cBhvr>
-                                      <p:to>
-                                        <p:strVal val="visible"/>
-                                      </p:to>
-                                    </p:set>
-                                  </p:childTnLst>
-                                </p:cTn>
-                              </p:par>
-                              <p:par>
-                                <p:cTn id="73" presetID="1" presetClass="entr" presetSubtype="0" fill="hold" grpId="0" nodeType="withEffect">
-                                  <p:stCondLst>
-                                    <p:cond delay="0"/>
-                                  </p:stCondLst>
-                                  <p:childTnLst>
-                                    <p:set>
-                                      <p:cBhvr>
-                                        <p:cTn id="74" dur="1" fill="hold">
-                                          <p:stCondLst>
-                                            <p:cond delay="0"/>
-                                          </p:stCondLst>
-                                        </p:cTn>
-                                        <p:tgtEl>
-                                          <p:spTgt spid="177"/>
-                                        </p:tgtEl>
-                                        <p:attrNameLst>
-                                          <p:attrName>style.visibility</p:attrName>
-                                        </p:attrNameLst>
-                                      </p:cBhvr>
-                                      <p:to>
-                                        <p:strVal val="visible"/>
-                                      </p:to>
-                                    </p:set>
-                                  </p:childTnLst>
-                                </p:cTn>
-                              </p:par>
-                              <p:par>
-                                <p:cTn id="75" presetID="1" presetClass="entr" presetSubtype="0" fill="hold" grpId="0" nodeType="withEffect">
-                                  <p:stCondLst>
-                                    <p:cond delay="0"/>
-                                  </p:stCondLst>
-                                  <p:childTnLst>
-                                    <p:set>
-                                      <p:cBhvr>
-                                        <p:cTn id="76" dur="1" fill="hold">
-                                          <p:stCondLst>
-                                            <p:cond delay="0"/>
-                                          </p:stCondLst>
-                                        </p:cTn>
-                                        <p:tgtEl>
-                                          <p:spTgt spid="192"/>
-                                        </p:tgtEl>
-                                        <p:attrNameLst>
-                                          <p:attrName>style.visibility</p:attrName>
-                                        </p:attrNameLst>
-                                      </p:cBhvr>
-                                      <p:to>
-                                        <p:strVal val="visible"/>
-                                      </p:to>
-                                    </p:set>
-                                  </p:childTnLst>
-                                </p:cTn>
-                              </p:par>
-                              <p:par>
-                                <p:cTn id="77" presetID="1" presetClass="entr" presetSubtype="0" fill="hold" grpId="0" nodeType="withEffect">
+                                <p:cTn id="77" presetID="1" presetClass="entr" presetSubtype="0" fill="hold" nodeType="withEffect">
                                   <p:stCondLst>
                                     <p:cond delay="0"/>
                                   </p:stCondLst>
@@ -7509,60 +7736,6 @@
                                     <p:set>
                                       <p:cBhvr>
                                         <p:cTn id="78" dur="1" fill="hold">
-                                          <p:stCondLst>
-                                            <p:cond delay="0"/>
-                                          </p:stCondLst>
-                                        </p:cTn>
-                                        <p:tgtEl>
-                                          <p:spTgt spid="193"/>
-                                        </p:tgtEl>
-                                        <p:attrNameLst>
-                                          <p:attrName>style.visibility</p:attrName>
-                                        </p:attrNameLst>
-                                      </p:cBhvr>
-                                      <p:to>
-                                        <p:strVal val="visible"/>
-                                      </p:to>
-                                    </p:set>
-                                  </p:childTnLst>
-                                </p:cTn>
-                              </p:par>
-                              <p:par>
-                                <p:cTn id="79" presetID="1" presetClass="entr" presetSubtype="0" fill="hold" nodeType="withEffect">
-                                  <p:stCondLst>
-                                    <p:cond delay="0"/>
-                                  </p:stCondLst>
-                                  <p:childTnLst>
-                                    <p:set>
-                                      <p:cBhvr>
-                                        <p:cTn id="80" dur="1" fill="hold">
-                                          <p:stCondLst>
-                                            <p:cond delay="0"/>
-                                          </p:stCondLst>
-                                        </p:cTn>
-                                        <p:tgtEl>
-                                          <p:spTgt spid="194"/>
-                                        </p:tgtEl>
-                                        <p:attrNameLst>
-                                          <p:attrName>style.visibility</p:attrName>
-                                        </p:attrNameLst>
-                                      </p:cBhvr>
-                                      <p:to>
-                                        <p:strVal val="visible"/>
-                                      </p:to>
-                                    </p:set>
-                                  </p:childTnLst>
-                                </p:cTn>
-                              </p:par>
-                              <p:par>
-                                <p:cTn id="81" presetID="1" presetClass="entr" presetSubtype="0" fill="hold" nodeType="withEffect">
-                                  <p:stCondLst>
-                                    <p:cond delay="0"/>
-                                  </p:stCondLst>
-                                  <p:childTnLst>
-                                    <p:set>
-                                      <p:cBhvr>
-                                        <p:cTn id="82" dur="1" fill="hold">
                                           <p:stCondLst>
                                             <p:cond delay="0"/>
                                           </p:stCondLst>
@@ -7581,8 +7754,53 @@
                                   </p:childTnLst>
                                 </p:cTn>
                               </p:par>
+                            </p:childTnLst>
+                          </p:cTn>
+                        </p:par>
+                      </p:childTnLst>
+                    </p:cTn>
+                  </p:par>
+                  <p:par>
+                    <p:cTn id="79" fill="hold">
+                      <p:stCondLst>
+                        <p:cond delay="indefinite"/>
+                      </p:stCondLst>
+                      <p:childTnLst>
+                        <p:par>
+                          <p:cTn id="80" fill="hold">
+                            <p:stCondLst>
+                              <p:cond delay="0"/>
+                            </p:stCondLst>
+                            <p:childTnLst>
                               <p:par>
-                                <p:cTn id="83" presetID="1" presetClass="entr" presetSubtype="0" fill="hold" grpId="0" nodeType="withEffect">
+                                <p:cTn id="81" presetID="1" presetClass="entr" presetSubtype="0" fill="hold" grpId="0" nodeType="clickEffect">
+                                  <p:stCondLst>
+                                    <p:cond delay="0"/>
+                                  </p:stCondLst>
+                                  <p:childTnLst>
+                                    <p:set>
+                                      <p:cBhvr>
+                                        <p:cTn id="82" dur="1" fill="hold">
+                                          <p:stCondLst>
+                                            <p:cond delay="0"/>
+                                          </p:stCondLst>
+                                        </p:cTn>
+                                        <p:tgtEl>
+                                          <p:spTgt spid="285"/>
+                                        </p:tgtEl>
+                                        <p:attrNameLst>
+                                          <p:attrName>style.visibility</p:attrName>
+                                        </p:attrNameLst>
+                                      </p:cBhvr>
+                                      <p:to>
+                                        <p:strVal val="visible"/>
+                                      </p:to>
+                                    </p:set>
+                                  </p:childTnLst>
+                                </p:cTn>
+                              </p:par>
+                              <p:par>
+                                <p:cTn id="83" presetID="1" presetClass="entr" presetSubtype="0" fill="hold" nodeType="withEffect">
                                   <p:stCondLst>
                                     <p:cond delay="0"/>
                                   </p:stCondLst>
@@ -7595,7 +7813,7 @@
                                           </p:stCondLst>
                                         </p:cTn>
                                         <p:tgtEl>
-                                          <p:spTgt spid="207"/>
+                                          <p:spTgt spid="291"/>
                                         </p:tgtEl>
                                         <p:attrNameLst>
                                           <p:attrName>style.visibility</p:attrName>
@@ -7622,7 +7840,52 @@
                                           </p:stCondLst>
                                         </p:cTn>
                                         <p:tgtEl>
-                                          <p:spTgt spid="213"/>
+                                          <p:spTgt spid="243"/>
+                                        </p:tgtEl>
+                                        <p:attrNameLst>
+                                          <p:attrName>style.visibility</p:attrName>
+                                        </p:attrNameLst>
+                                      </p:cBhvr>
+                                      <p:to>
+                                        <p:strVal val="visible"/>
+                                      </p:to>
+                                    </p:set>
+                                  </p:childTnLst>
+                                </p:cTn>
+                              </p:par>
+                            </p:childTnLst>
+                          </p:cTn>
+                        </p:par>
+                      </p:childTnLst>
+                    </p:cTn>
+                  </p:par>
+                  <p:par>
+                    <p:cTn id="87" fill="hold">
+                      <p:stCondLst>
+                        <p:cond delay="indefinite"/>
+                      </p:stCondLst>
+                      <p:childTnLst>
+                        <p:par>
+                          <p:cTn id="88" fill="hold">
+                            <p:stCondLst>
+                              <p:cond delay="0"/>
+                            </p:stCondLst>
+                            <p:childTnLst>
+                              <p:par>
+                                <p:cTn id="89" presetID="1" presetClass="entr" presetSubtype="0" fill="hold" grpId="0" nodeType="clickEffect">
+                                  <p:stCondLst>
+                                    <p:cond delay="0"/>
+                                  </p:stCondLst>
+                                  <p:childTnLst>
+                                    <p:set>
+                                      <p:cBhvr>
+                                        <p:cTn id="90" dur="1" fill="hold">
+                                          <p:stCondLst>
+                                            <p:cond delay="0"/>
+                                          </p:stCondLst>
+                                        </p:cTn>
+                                        <p:tgtEl>
+                                          <p:spTgt spid="241"/>
                                         </p:tgtEl>
                                         <p:attrNameLst>
                                           <p:attrName>style.visibility</p:attrName>
@@ -7636,20 +7899,488 @@
                                 </p:cTn>
                               </p:par>
                               <p:par>
-                                <p:cTn id="87" presetID="1" presetClass="entr" presetSubtype="0" fill="hold" nodeType="withEffect">
+                                <p:cTn id="91" presetID="1" presetClass="entr" presetSubtype="0" fill="hold" grpId="0" nodeType="withEffect">
                                   <p:stCondLst>
                                     <p:cond delay="0"/>
                                   </p:stCondLst>
                                   <p:childTnLst>
                                     <p:set>
                                       <p:cBhvr>
-                                        <p:cTn id="88" dur="1" fill="hold">
+                                        <p:cTn id="92" dur="1" fill="hold">
                                           <p:stCondLst>
                                             <p:cond delay="0"/>
                                           </p:stCondLst>
                                         </p:cTn>
                                         <p:tgtEl>
-                                          <p:spTgt spid="215"/>
+                                          <p:spTgt spid="246"/>
+                                        </p:tgtEl>
+                                        <p:attrNameLst>
+                                          <p:attrName>style.visibility</p:attrName>
+                                        </p:attrNameLst>
+                                      </p:cBhvr>
+                                      <p:to>
+                                        <p:strVal val="visible"/>
+                                      </p:to>
+                                    </p:set>
+                                  </p:childTnLst>
+                                </p:cTn>
+                              </p:par>
+                            </p:childTnLst>
+                          </p:cTn>
+                        </p:par>
+                      </p:childTnLst>
+                    </p:cTn>
+                  </p:par>
+                  <p:par>
+                    <p:cTn id="93" fill="hold">
+                      <p:stCondLst>
+                        <p:cond delay="indefinite"/>
+                      </p:stCondLst>
+                      <p:childTnLst>
+                        <p:par>
+                          <p:cTn id="94" fill="hold">
+                            <p:stCondLst>
+                              <p:cond delay="0"/>
+                            </p:stCondLst>
+                            <p:childTnLst>
+                              <p:par>
+                                <p:cTn id="95" presetID="1" presetClass="entr" presetSubtype="0" fill="hold" grpId="0" nodeType="clickEffect">
+                                  <p:stCondLst>
+                                    <p:cond delay="0"/>
+                                  </p:stCondLst>
+                                  <p:childTnLst>
+                                    <p:set>
+                                      <p:cBhvr>
+                                        <p:cTn id="96" dur="1" fill="hold">
+                                          <p:stCondLst>
+                                            <p:cond delay="0"/>
+                                          </p:stCondLst>
+                                        </p:cTn>
+                                        <p:tgtEl>
+                                          <p:spTgt spid="107"/>
+                                        </p:tgtEl>
+                                        <p:attrNameLst>
+                                          <p:attrName>style.visibility</p:attrName>
+                                        </p:attrNameLst>
+                                      </p:cBhvr>
+                                      <p:to>
+                                        <p:strVal val="visible"/>
+                                      </p:to>
+                                    </p:set>
+                                  </p:childTnLst>
+                                </p:cTn>
+                              </p:par>
+                              <p:par>
+                                <p:cTn id="97" presetID="1" presetClass="entr" presetSubtype="0" fill="hold" grpId="0" nodeType="withEffect">
+                                  <p:stCondLst>
+                                    <p:cond delay="0"/>
+                                  </p:stCondLst>
+                                  <p:childTnLst>
+                                    <p:set>
+                                      <p:cBhvr>
+                                        <p:cTn id="98" dur="1" fill="hold">
+                                          <p:stCondLst>
+                                            <p:cond delay="0"/>
+                                          </p:stCondLst>
+                                        </p:cTn>
+                                        <p:tgtEl>
+                                          <p:spTgt spid="131"/>
+                                        </p:tgtEl>
+                                        <p:attrNameLst>
+                                          <p:attrName>style.visibility</p:attrName>
+                                        </p:attrNameLst>
+                                      </p:cBhvr>
+                                      <p:to>
+                                        <p:strVal val="visible"/>
+                                      </p:to>
+                                    </p:set>
+                                  </p:childTnLst>
+                                </p:cTn>
+                              </p:par>
+                              <p:par>
+                                <p:cTn id="99" presetID="1" presetClass="entr" presetSubtype="0" fill="hold" grpId="0" nodeType="withEffect">
+                                  <p:stCondLst>
+                                    <p:cond delay="0"/>
+                                  </p:stCondLst>
+                                  <p:childTnLst>
+                                    <p:set>
+                                      <p:cBhvr>
+                                        <p:cTn id="100" dur="1" fill="hold">
+                                          <p:stCondLst>
+                                            <p:cond delay="0"/>
+                                          </p:stCondLst>
+                                        </p:cTn>
+                                        <p:tgtEl>
+                                          <p:spTgt spid="160"/>
+                                        </p:tgtEl>
+                                        <p:attrNameLst>
+                                          <p:attrName>style.visibility</p:attrName>
+                                        </p:attrNameLst>
+                                      </p:cBhvr>
+                                      <p:to>
+                                        <p:strVal val="visible"/>
+                                      </p:to>
+                                    </p:set>
+                                  </p:childTnLst>
+                                </p:cTn>
+                              </p:par>
+                            </p:childTnLst>
+                          </p:cTn>
+                        </p:par>
+                      </p:childTnLst>
+                    </p:cTn>
+                  </p:par>
+                  <p:par>
+                    <p:cTn id="101" fill="hold">
+                      <p:stCondLst>
+                        <p:cond delay="indefinite"/>
+                      </p:stCondLst>
+                      <p:childTnLst>
+                        <p:par>
+                          <p:cTn id="102" fill="hold">
+                            <p:stCondLst>
+                              <p:cond delay="0"/>
+                            </p:stCondLst>
+                            <p:childTnLst>
+                              <p:par>
+                                <p:cTn id="103" presetID="1" presetClass="entr" presetSubtype="0" fill="hold" grpId="0" nodeType="clickEffect">
+                                  <p:stCondLst>
+                                    <p:cond delay="0"/>
+                                  </p:stCondLst>
+                                  <p:childTnLst>
+                                    <p:set>
+                                      <p:cBhvr>
+                                        <p:cTn id="104" dur="1" fill="hold">
+                                          <p:stCondLst>
+                                            <p:cond delay="0"/>
+                                          </p:stCondLst>
+                                        </p:cTn>
+                                        <p:tgtEl>
+                                          <p:spTgt spid="57"/>
+                                        </p:tgtEl>
+                                        <p:attrNameLst>
+                                          <p:attrName>style.visibility</p:attrName>
+                                        </p:attrNameLst>
+                                      </p:cBhvr>
+                                      <p:to>
+                                        <p:strVal val="visible"/>
+                                      </p:to>
+                                    </p:set>
+                                  </p:childTnLst>
+                                </p:cTn>
+                              </p:par>
+                              <p:par>
+                                <p:cTn id="105" presetID="1" presetClass="entr" presetSubtype="0" fill="hold" grpId="0" nodeType="withEffect">
+                                  <p:stCondLst>
+                                    <p:cond delay="0"/>
+                                  </p:stCondLst>
+                                  <p:childTnLst>
+                                    <p:set>
+                                      <p:cBhvr>
+                                        <p:cTn id="106" dur="1" fill="hold">
+                                          <p:stCondLst>
+                                            <p:cond delay="0"/>
+                                          </p:stCondLst>
+                                        </p:cTn>
+                                        <p:tgtEl>
+                                          <p:spTgt spid="172"/>
+                                        </p:tgtEl>
+                                        <p:attrNameLst>
+                                          <p:attrName>style.visibility</p:attrName>
+                                        </p:attrNameLst>
+                                      </p:cBhvr>
+                                      <p:to>
+                                        <p:strVal val="visible"/>
+                                      </p:to>
+                                    </p:set>
+                                  </p:childTnLst>
+                                </p:cTn>
+                              </p:par>
+                              <p:par>
+                                <p:cTn id="107" presetID="1" presetClass="entr" presetSubtype="0" fill="hold" grpId="0" nodeType="withEffect">
+                                  <p:stCondLst>
+                                    <p:cond delay="0"/>
+                                  </p:stCondLst>
+                                  <p:childTnLst>
+                                    <p:set>
+                                      <p:cBhvr>
+                                        <p:cTn id="108" dur="1" fill="hold">
+                                          <p:stCondLst>
+                                            <p:cond delay="0"/>
+                                          </p:stCondLst>
+                                        </p:cTn>
+                                        <p:tgtEl>
+                                          <p:spTgt spid="192"/>
+                                        </p:tgtEl>
+                                        <p:attrNameLst>
+                                          <p:attrName>style.visibility</p:attrName>
+                                        </p:attrNameLst>
+                                      </p:cBhvr>
+                                      <p:to>
+                                        <p:strVal val="visible"/>
+                                      </p:to>
+                                    </p:set>
+                                  </p:childTnLst>
+                                </p:cTn>
+                              </p:par>
+                              <p:par>
+                                <p:cTn id="109" presetID="1" presetClass="entr" presetSubtype="0" fill="hold" nodeType="withEffect">
+                                  <p:stCondLst>
+                                    <p:cond delay="0"/>
+                                  </p:stCondLst>
+                                  <p:childTnLst>
+                                    <p:set>
+                                      <p:cBhvr>
+                                        <p:cTn id="110" dur="1" fill="hold">
+                                          <p:stCondLst>
+                                            <p:cond delay="0"/>
+                                          </p:stCondLst>
+                                        </p:cTn>
+                                        <p:tgtEl>
+                                          <p:spTgt spid="158"/>
+                                        </p:tgtEl>
+                                        <p:attrNameLst>
+                                          <p:attrName>style.visibility</p:attrName>
+                                        </p:attrNameLst>
+                                      </p:cBhvr>
+                                      <p:to>
+                                        <p:strVal val="visible"/>
+                                      </p:to>
+                                    </p:set>
+                                  </p:childTnLst>
+                                </p:cTn>
+                              </p:par>
+                            </p:childTnLst>
+                          </p:cTn>
+                        </p:par>
+                      </p:childTnLst>
+                    </p:cTn>
+                  </p:par>
+                  <p:par>
+                    <p:cTn id="111" fill="hold">
+                      <p:stCondLst>
+                        <p:cond delay="indefinite"/>
+                      </p:stCondLst>
+                      <p:childTnLst>
+                        <p:par>
+                          <p:cTn id="112" fill="hold">
+                            <p:stCondLst>
+                              <p:cond delay="0"/>
+                            </p:stCondLst>
+                            <p:childTnLst>
+                              <p:par>
+                                <p:cTn id="113" presetID="1" presetClass="entr" presetSubtype="0" fill="hold" grpId="0" nodeType="clickEffect">
+                                  <p:stCondLst>
+                                    <p:cond delay="0"/>
+                                  </p:stCondLst>
+                                  <p:childTnLst>
+                                    <p:set>
+                                      <p:cBhvr>
+                                        <p:cTn id="114" dur="1" fill="hold">
+                                          <p:stCondLst>
+                                            <p:cond delay="0"/>
+                                          </p:stCondLst>
+                                        </p:cTn>
+                                        <p:tgtEl>
+                                          <p:spTgt spid="193"/>
+                                        </p:tgtEl>
+                                        <p:attrNameLst>
+                                          <p:attrName>style.visibility</p:attrName>
+                                        </p:attrNameLst>
+                                      </p:cBhvr>
+                                      <p:to>
+                                        <p:strVal val="visible"/>
+                                      </p:to>
+                                    </p:set>
+                                  </p:childTnLst>
+                                </p:cTn>
+                              </p:par>
+                              <p:par>
+                                <p:cTn id="115" presetID="1" presetClass="entr" presetSubtype="0" fill="hold" nodeType="withEffect">
+                                  <p:stCondLst>
+                                    <p:cond delay="0"/>
+                                  </p:stCondLst>
+                                  <p:childTnLst>
+                                    <p:set>
+                                      <p:cBhvr>
+                                        <p:cTn id="116" dur="1" fill="hold">
+                                          <p:stCondLst>
+                                            <p:cond delay="0"/>
+                                          </p:stCondLst>
+                                        </p:cTn>
+                                        <p:tgtEl>
+                                          <p:spTgt spid="194"/>
+                                        </p:tgtEl>
+                                        <p:attrNameLst>
+                                          <p:attrName>style.visibility</p:attrName>
+                                        </p:attrNameLst>
+                                      </p:cBhvr>
+                                      <p:to>
+                                        <p:strVal val="visible"/>
+                                      </p:to>
+                                    </p:set>
+                                  </p:childTnLst>
+                                </p:cTn>
+                              </p:par>
+                            </p:childTnLst>
+                          </p:cTn>
+                        </p:par>
+                      </p:childTnLst>
+                    </p:cTn>
+                  </p:par>
+                  <p:par>
+                    <p:cTn id="117" fill="hold">
+                      <p:stCondLst>
+                        <p:cond delay="indefinite"/>
+                      </p:stCondLst>
+                      <p:childTnLst>
+                        <p:par>
+                          <p:cTn id="118" fill="hold">
+                            <p:stCondLst>
+                              <p:cond delay="0"/>
+                            </p:stCondLst>
+                            <p:childTnLst>
+                              <p:par>
+                                <p:cTn id="119" presetID="1" presetClass="entr" presetSubtype="0" fill="hold" grpId="0" nodeType="clickEffect">
+                                  <p:stCondLst>
+                                    <p:cond delay="0"/>
+                                  </p:stCondLst>
+                                  <p:childTnLst>
+                                    <p:set>
+                                      <p:cBhvr>
+                                        <p:cTn id="120" dur="1" fill="hold">
+                                          <p:stCondLst>
+                                            <p:cond delay="0"/>
+                                          </p:stCondLst>
+                                        </p:cTn>
+                                        <p:tgtEl>
+                                          <p:spTgt spid="64"/>
+                                        </p:tgtEl>
+                                        <p:attrNameLst>
+                                          <p:attrName>style.visibility</p:attrName>
+                                        </p:attrNameLst>
+                                      </p:cBhvr>
+                                      <p:to>
+                                        <p:strVal val="visible"/>
+                                      </p:to>
+                                    </p:set>
+                                  </p:childTnLst>
+                                </p:cTn>
+                              </p:par>
+                            </p:childTnLst>
+                          </p:cTn>
+                        </p:par>
+                      </p:childTnLst>
+                    </p:cTn>
+                  </p:par>
+                  <p:par>
+                    <p:cTn id="121" fill="hold">
+                      <p:stCondLst>
+                        <p:cond delay="indefinite"/>
+                      </p:stCondLst>
+                      <p:childTnLst>
+                        <p:par>
+                          <p:cTn id="122" fill="hold">
+                            <p:stCondLst>
+                              <p:cond delay="0"/>
+                            </p:stCondLst>
+                            <p:childTnLst>
+                              <p:par>
+                                <p:cTn id="123" presetID="1" presetClass="entr" presetSubtype="0" fill="hold" grpId="0" nodeType="clickEffect">
+                                  <p:stCondLst>
+                                    <p:cond delay="0"/>
+                                  </p:stCondLst>
+                                  <p:childTnLst>
+                                    <p:set>
+                                      <p:cBhvr>
+                                        <p:cTn id="124" dur="1" fill="hold">
+                                          <p:stCondLst>
+                                            <p:cond delay="0"/>
+                                          </p:stCondLst>
+                                        </p:cTn>
+                                        <p:tgtEl>
+                                          <p:spTgt spid="49"/>
+                                        </p:tgtEl>
+                                        <p:attrNameLst>
+                                          <p:attrName>style.visibility</p:attrName>
+                                        </p:attrNameLst>
+                                      </p:cBhvr>
+                                      <p:to>
+                                        <p:strVal val="visible"/>
+                                      </p:to>
+                                    </p:set>
+                                  </p:childTnLst>
+                                </p:cTn>
+                              </p:par>
+                              <p:par>
+                                <p:cTn id="125" presetID="1" presetClass="entr" presetSubtype="0" fill="hold" grpId="0" nodeType="withEffect">
+                                  <p:stCondLst>
+                                    <p:cond delay="0"/>
+                                  </p:stCondLst>
+                                  <p:childTnLst>
+                                    <p:set>
+                                      <p:cBhvr>
+                                        <p:cTn id="126" dur="1" fill="hold">
+                                          <p:stCondLst>
+                                            <p:cond delay="0"/>
+                                          </p:stCondLst>
+                                        </p:cTn>
+                                        <p:tgtEl>
+                                          <p:spTgt spid="48"/>
+                                        </p:tgtEl>
+                                        <p:attrNameLst>
+                                          <p:attrName>style.visibility</p:attrName>
+                                        </p:attrNameLst>
+                                      </p:cBhvr>
+                                      <p:to>
+                                        <p:strVal val="visible"/>
+                                      </p:to>
+                                    </p:set>
+                                  </p:childTnLst>
+                                </p:cTn>
+                              </p:par>
+                              <p:par>
+                                <p:cTn id="127" presetID="1" presetClass="entr" presetSubtype="0" fill="hold" grpId="0" nodeType="withEffect">
+                                  <p:stCondLst>
+                                    <p:cond delay="0"/>
+                                  </p:stCondLst>
+                                  <p:childTnLst>
+                                    <p:set>
+                                      <p:cBhvr>
+                                        <p:cTn id="128" dur="1" fill="hold">
+                                          <p:stCondLst>
+                                            <p:cond delay="0"/>
+                                          </p:stCondLst>
+                                        </p:cTn>
+                                        <p:tgtEl>
+                                          <p:spTgt spid="52"/>
+                                        </p:tgtEl>
+                                        <p:attrNameLst>
+                                          <p:attrName>style.visibility</p:attrName>
+                                        </p:attrNameLst>
+                                      </p:cBhvr>
+                                      <p:to>
+                                        <p:strVal val="visible"/>
+                                      </p:to>
+                                    </p:set>
+                                  </p:childTnLst>
+                                </p:cTn>
+                              </p:par>
+                              <p:par>
+                                <p:cTn id="129" presetID="1" presetClass="entr" presetSubtype="0" fill="hold" nodeType="withEffect">
+                                  <p:stCondLst>
+                                    <p:cond delay="0"/>
+                                  </p:stCondLst>
+                                  <p:childTnLst>
+                                    <p:set>
+                                      <p:cBhvr>
+                                        <p:cTn id="130" dur="1" fill="hold">
+                                          <p:stCondLst>
+                                            <p:cond delay="0"/>
+                                          </p:stCondLst>
+                                        </p:cTn>
+                                        <p:tgtEl>
+                                          <p:spTgt spid="69"/>
                                         </p:tgtEl>
                                         <p:attrNameLst>
                                           <p:attrName>style.visibility</p:attrName>
@@ -7690,15 +8421,10 @@
       </p:par>
     </p:tnLst>
     <p:bldLst>
+      <p:bldP spid="107" grpId="0" animBg="1"/>
       <p:bldP spid="53" grpId="0" animBg="1"/>
-      <p:bldP spid="51" grpId="0" animBg="1"/>
-      <p:bldP spid="47" grpId="0" animBg="1"/>
-      <p:bldP spid="49" grpId="0" animBg="1"/>
-      <p:bldP spid="48" grpId="0" animBg="1"/>
-      <p:bldP spid="52" grpId="0" animBg="1"/>
       <p:bldP spid="56" grpId="0" animBg="1"/>
       <p:bldP spid="57" grpId="0" animBg="1"/>
-      <p:bldP spid="58" grpId="0" animBg="1"/>
       <p:bldP spid="62" grpId="0" animBg="1"/>
       <p:bldP spid="66" grpId="0" animBg="1"/>
       <p:bldP spid="72" grpId="0" animBg="1"/>
@@ -7706,20 +8432,28 @@
       <p:bldP spid="68" grpId="0"/>
       <p:bldP spid="81" grpId="0" animBg="1"/>
       <p:bldP spid="86" grpId="0" animBg="1"/>
-      <p:bldP spid="107" grpId="0" animBg="1"/>
       <p:bldP spid="120" grpId="0" animBg="1"/>
       <p:bldP spid="121" grpId="0"/>
+      <p:bldP spid="104" grpId="0"/>
       <p:bldP spid="131" grpId="0" animBg="1"/>
       <p:bldP spid="87" grpId="0" animBg="1"/>
       <p:bldP spid="160" grpId="0" animBg="1"/>
       <p:bldP spid="172" grpId="0" animBg="1"/>
       <p:bldP spid="176" grpId="0" animBg="1"/>
-      <p:bldP spid="177" grpId="0" animBg="1"/>
       <p:bldP spid="192" grpId="0" animBg="1"/>
       <p:bldP spid="193" grpId="0" animBg="1"/>
+      <p:bldP spid="232" grpId="0"/>
+      <p:bldP spid="243" grpId="0" animBg="1"/>
+      <p:bldP spid="49" grpId="0" animBg="1"/>
+      <p:bldP spid="48" grpId="0" animBg="1"/>
+      <p:bldP spid="52" grpId="0" animBg="1"/>
+      <p:bldP spid="285" grpId="0" animBg="1"/>
+      <p:bldP spid="297" grpId="0"/>
+      <p:bldP spid="64" grpId="0" animBg="1"/>
+      <p:bldP spid="84" grpId="0" animBg="1"/>
+      <p:bldP spid="246" grpId="0" animBg="1"/>
+      <p:bldP spid="241" grpId="0" animBg="1"/>
       <p:bldP spid="108" grpId="0" animBg="1"/>
-      <p:bldP spid="207" grpId="0" animBg="1"/>
-      <p:bldP spid="213" grpId="0" animBg="1"/>
     </p:bldLst>
   </p:timing>
 </p:sld>

--- a/fig/website-dependencies-v01.pptx
+++ b/fig/website-dependencies-v01.pptx
@@ -192,7 +192,7 @@
           <a:p>
             <a:fld id="{B2B5ABE0-9405-7B4D-B9EA-CE78F3455015}" type="datetimeFigureOut">
               <a:rPr lang="en-US" smtClean="0"/>
-              <a:t>6/24/16</a:t>
+              <a:t>6/30/16</a:t>
             </a:fld>
             <a:endParaRPr lang="en-US"/>
           </a:p>
@@ -977,7 +977,7 @@
           <a:p>
             <a:fld id="{61EC71F1-B3E0-DD4C-B030-8B42C148BEB6}" type="datetimeFigureOut">
               <a:rPr lang="en-US" smtClean="0"/>
-              <a:t>6/24/16</a:t>
+              <a:t>6/30/16</a:t>
             </a:fld>
             <a:endParaRPr lang="en-US"/>
           </a:p>
@@ -1147,7 +1147,7 @@
           <a:p>
             <a:fld id="{61EC71F1-B3E0-DD4C-B030-8B42C148BEB6}" type="datetimeFigureOut">
               <a:rPr lang="en-US" smtClean="0"/>
-              <a:t>6/24/16</a:t>
+              <a:t>6/30/16</a:t>
             </a:fld>
             <a:endParaRPr lang="en-US"/>
           </a:p>
@@ -1327,7 +1327,7 @@
           <a:p>
             <a:fld id="{61EC71F1-B3E0-DD4C-B030-8B42C148BEB6}" type="datetimeFigureOut">
               <a:rPr lang="en-US" smtClean="0"/>
-              <a:t>6/24/16</a:t>
+              <a:t>6/30/16</a:t>
             </a:fld>
             <a:endParaRPr lang="en-US"/>
           </a:p>
@@ -1497,7 +1497,7 @@
           <a:p>
             <a:fld id="{61EC71F1-B3E0-DD4C-B030-8B42C148BEB6}" type="datetimeFigureOut">
               <a:rPr lang="en-US" smtClean="0"/>
-              <a:t>6/24/16</a:t>
+              <a:t>6/30/16</a:t>
             </a:fld>
             <a:endParaRPr lang="en-US"/>
           </a:p>
@@ -1743,7 +1743,7 @@
           <a:p>
             <a:fld id="{61EC71F1-B3E0-DD4C-B030-8B42C148BEB6}" type="datetimeFigureOut">
               <a:rPr lang="en-US" smtClean="0"/>
-              <a:t>6/24/16</a:t>
+              <a:t>6/30/16</a:t>
             </a:fld>
             <a:endParaRPr lang="en-US"/>
           </a:p>
@@ -2031,7 +2031,7 @@
           <a:p>
             <a:fld id="{61EC71F1-B3E0-DD4C-B030-8B42C148BEB6}" type="datetimeFigureOut">
               <a:rPr lang="en-US" smtClean="0"/>
-              <a:t>6/24/16</a:t>
+              <a:t>6/30/16</a:t>
             </a:fld>
             <a:endParaRPr lang="en-US"/>
           </a:p>
@@ -2453,7 +2453,7 @@
           <a:p>
             <a:fld id="{61EC71F1-B3E0-DD4C-B030-8B42C148BEB6}" type="datetimeFigureOut">
               <a:rPr lang="en-US" smtClean="0"/>
-              <a:t>6/24/16</a:t>
+              <a:t>6/30/16</a:t>
             </a:fld>
             <a:endParaRPr lang="en-US"/>
           </a:p>
@@ -2571,7 +2571,7 @@
           <a:p>
             <a:fld id="{61EC71F1-B3E0-DD4C-B030-8B42C148BEB6}" type="datetimeFigureOut">
               <a:rPr lang="en-US" smtClean="0"/>
-              <a:t>6/24/16</a:t>
+              <a:t>6/30/16</a:t>
             </a:fld>
             <a:endParaRPr lang="en-US"/>
           </a:p>
@@ -2666,7 +2666,7 @@
           <a:p>
             <a:fld id="{61EC71F1-B3E0-DD4C-B030-8B42C148BEB6}" type="datetimeFigureOut">
               <a:rPr lang="en-US" smtClean="0"/>
-              <a:t>6/24/16</a:t>
+              <a:t>6/30/16</a:t>
             </a:fld>
             <a:endParaRPr lang="en-US"/>
           </a:p>
@@ -2943,7 +2943,7 @@
           <a:p>
             <a:fld id="{61EC71F1-B3E0-DD4C-B030-8B42C148BEB6}" type="datetimeFigureOut">
               <a:rPr lang="en-US" smtClean="0"/>
-              <a:t>6/24/16</a:t>
+              <a:t>6/30/16</a:t>
             </a:fld>
             <a:endParaRPr lang="en-US"/>
           </a:p>
@@ -3196,7 +3196,7 @@
           <a:p>
             <a:fld id="{61EC71F1-B3E0-DD4C-B030-8B42C148BEB6}" type="datetimeFigureOut">
               <a:rPr lang="en-US" smtClean="0"/>
-              <a:t>6/24/16</a:t>
+              <a:t>6/30/16</a:t>
             </a:fld>
             <a:endParaRPr lang="en-US"/>
           </a:p>
@@ -3409,7 +3409,7 @@
           <a:p>
             <a:fld id="{61EC71F1-B3E0-DD4C-B030-8B42C148BEB6}" type="datetimeFigureOut">
               <a:rPr lang="en-US" smtClean="0"/>
-              <a:t>6/24/16</a:t>
+              <a:t>6/30/16</a:t>
             </a:fld>
             <a:endParaRPr lang="en-US"/>
           </a:p>
@@ -3792,7 +3792,7 @@
         </p:nvSpPr>
         <p:spPr>
           <a:xfrm>
-            <a:off x="892615" y="2741721"/>
+            <a:off x="892615" y="2390037"/>
             <a:ext cx="1968405" cy="1836812"/>
           </a:xfrm>
           <a:prstGeom prst="rect">
@@ -3860,8 +3860,8 @@
         </p:nvSpPr>
         <p:spPr>
           <a:xfrm>
-            <a:off x="4468135" y="460807"/>
-            <a:ext cx="2656592" cy="5942374"/>
+            <a:off x="4468135" y="460808"/>
+            <a:ext cx="2656592" cy="5619995"/>
           </a:xfrm>
           <a:prstGeom prst="rect">
             <a:avLst/>
@@ -4066,7 +4066,7 @@
         </p:nvSpPr>
         <p:spPr>
           <a:xfrm>
-            <a:off x="892615" y="4694931"/>
+            <a:off x="892615" y="4294402"/>
             <a:ext cx="1565723" cy="1708249"/>
           </a:xfrm>
           <a:prstGeom prst="rect">
@@ -4203,7 +4203,7 @@
         <p:spPr>
           <a:xfrm>
             <a:off x="4894692" y="855698"/>
-            <a:ext cx="1935299" cy="4444111"/>
+            <a:ext cx="1935299" cy="4038687"/>
           </a:xfrm>
           <a:prstGeom prst="rect">
             <a:avLst/>
@@ -4272,7 +4272,7 @@
         </p:nvSpPr>
         <p:spPr>
           <a:xfrm>
-            <a:off x="5043176" y="3984469"/>
+            <a:off x="5043176" y="3867241"/>
             <a:ext cx="1630507" cy="824636"/>
           </a:xfrm>
           <a:prstGeom prst="rect">
@@ -4358,7 +4358,7 @@
         <p:spPr>
           <a:xfrm>
             <a:off x="7347016" y="1458157"/>
-            <a:ext cx="1517946" cy="2938630"/>
+            <a:ext cx="1517946" cy="3358074"/>
           </a:xfrm>
           <a:prstGeom prst="rect">
             <a:avLst/>
@@ -4456,7 +4456,7 @@
           <a:bodyPr/>
           <a:lstStyle/>
           <a:p>
-            <a:endParaRPr lang="en-US" dirty="0">
+            <a:endParaRPr lang="en-US" sz="1600" dirty="0">
               <a:latin typeface="Open Sans Light"/>
               <a:cs typeface="Open Sans Light"/>
             </a:endParaRPr>
@@ -4502,11 +4502,25 @@
           <a:lstStyle/>
           <a:p>
             <a:r>
-              <a:rPr lang="en-US" dirty="0">
+              <a:rPr lang="is-IS" sz="1600" dirty="0" smtClean="0">
                 <a:latin typeface="Open Sans Light"/>
                 <a:cs typeface="Open Sans Light"/>
               </a:rPr>
-              <a:t>algolia.js</a:t>
+              <a:t>…</a:t>
+            </a:r>
+            <a:r>
+              <a:rPr lang="en-US" sz="1600" dirty="0" smtClean="0">
+                <a:latin typeface="Open Sans Light"/>
+                <a:cs typeface="Open Sans Light"/>
+              </a:rPr>
+              <a:t>.</a:t>
+            </a:r>
+            <a:r>
+              <a:rPr lang="en-US" sz="1600" dirty="0">
+                <a:latin typeface="Open Sans Light"/>
+                <a:cs typeface="Open Sans Light"/>
+              </a:rPr>
+              <a:t>js</a:t>
             </a:r>
           </a:p>
         </p:txBody>
@@ -4519,7 +4533,7 @@
         </p:nvSpPr>
         <p:spPr>
           <a:xfrm>
-            <a:off x="5099188" y="4069008"/>
+            <a:off x="5099188" y="3951780"/>
             <a:ext cx="1414657" cy="379735"/>
           </a:xfrm>
           <a:prstGeom prst="rect">
@@ -4665,7 +4679,7 @@
         <p:spPr>
           <a:xfrm flipH="1">
             <a:off x="6513845" y="3919223"/>
-            <a:ext cx="983793" cy="339653"/>
+            <a:ext cx="983793" cy="222425"/>
           </a:xfrm>
           <a:prstGeom prst="straightConnector1">
             <a:avLst/>
@@ -4772,7 +4786,7 @@
           <a:lstStyle/>
           <a:p>
             <a:pPr algn="ctr"/>
-            <a:endParaRPr lang="en-US" dirty="0">
+            <a:endParaRPr lang="en-US" sz="1600" dirty="0">
               <a:latin typeface="Open Sans Light"/>
               <a:cs typeface="Open Sans Light"/>
             </a:endParaRPr>
@@ -4819,13 +4833,13 @@
           <a:p>
             <a:pPr algn="ctr"/>
             <a:r>
-              <a:rPr lang="en-US" dirty="0" smtClean="0">
+              <a:rPr lang="en-US" sz="1600" dirty="0" smtClean="0">
                 <a:latin typeface="Open Sans Light"/>
                 <a:cs typeface="Open Sans Light"/>
               </a:rPr>
               <a:t>css</a:t>
             </a:r>
-            <a:endParaRPr lang="en-US" dirty="0">
+            <a:endParaRPr lang="en-US" sz="1600" dirty="0">
               <a:latin typeface="Open Sans Light"/>
               <a:cs typeface="Open Sans Light"/>
             </a:endParaRPr>
@@ -4870,7 +4884,7 @@
         </p:nvSpPr>
         <p:spPr>
           <a:xfrm>
-            <a:off x="1046096" y="3095051"/>
+            <a:off x="1046096" y="2743367"/>
             <a:ext cx="1651689" cy="398594"/>
           </a:xfrm>
           <a:prstGeom prst="rect">
@@ -5018,7 +5032,7 @@
         <p:spPr>
           <a:xfrm flipV="1">
             <a:off x="2697785" y="1805674"/>
-            <a:ext cx="2352801" cy="1488674"/>
+            <a:ext cx="2352801" cy="1136990"/>
           </a:xfrm>
           <a:prstGeom prst="straightConnector1">
             <a:avLst/>
@@ -5055,7 +5069,7 @@
         </p:nvSpPr>
         <p:spPr>
           <a:xfrm>
-            <a:off x="1034749" y="4074947"/>
+            <a:off x="1034749" y="3723263"/>
             <a:ext cx="1643337" cy="386961"/>
           </a:xfrm>
           <a:prstGeom prst="rect">
@@ -5134,8 +5148,8 @@
         </p:nvCxnSpPr>
         <p:spPr>
           <a:xfrm>
-            <a:off x="2678086" y="4268428"/>
-            <a:ext cx="2365090" cy="128359"/>
+            <a:off x="2678086" y="3916744"/>
+            <a:ext cx="2365090" cy="362815"/>
           </a:xfrm>
           <a:prstGeom prst="straightConnector1">
             <a:avLst/>
@@ -5213,7 +5227,7 @@
         </p:nvSpPr>
         <p:spPr>
           <a:xfrm>
-            <a:off x="1034749" y="5059700"/>
+            <a:off x="1034749" y="4659171"/>
             <a:ext cx="1270768" cy="1236452"/>
           </a:xfrm>
           <a:prstGeom prst="rect">
@@ -5289,7 +5303,7 @@
         </p:nvSpPr>
         <p:spPr>
           <a:xfrm>
-            <a:off x="4566099" y="5413886"/>
+            <a:off x="4605175" y="5003588"/>
             <a:ext cx="2373637" cy="882265"/>
           </a:xfrm>
           <a:prstGeom prst="rect">
@@ -5357,7 +5371,7 @@
         </p:nvSpPr>
         <p:spPr>
           <a:xfrm>
-            <a:off x="1137383" y="5413887"/>
+            <a:off x="1137383" y="5013358"/>
             <a:ext cx="1021029" cy="313926"/>
           </a:xfrm>
           <a:prstGeom prst="rect">
@@ -5431,7 +5445,7 @@
         </p:nvSpPr>
         <p:spPr>
           <a:xfrm>
-            <a:off x="1137383" y="5835031"/>
+            <a:off x="1137383" y="5434502"/>
             <a:ext cx="1021030" cy="313926"/>
           </a:xfrm>
           <a:prstGeom prst="rect">
@@ -5645,21 +5659,21 @@
           <a:p>
             <a:pPr algn="ctr"/>
             <a:r>
-              <a:rPr lang="en-US" dirty="0" smtClean="0">
+              <a:rPr lang="en-US" sz="1600" dirty="0" smtClean="0">
                 <a:latin typeface="Open Sans Light"/>
                 <a:cs typeface="Open Sans Light"/>
               </a:rPr>
               <a:t>jpg, </a:t>
             </a:r>
             <a:r>
-              <a:rPr lang="en-US" dirty="0" err="1" smtClean="0">
+              <a:rPr lang="en-US" sz="1600" dirty="0" err="1" smtClean="0">
                 <a:latin typeface="Open Sans Light"/>
                 <a:cs typeface="Open Sans Light"/>
               </a:rPr>
               <a:t>png</a:t>
             </a:r>
             <a:r>
-              <a:rPr lang="en-US" dirty="0" smtClean="0">
+              <a:rPr lang="en-US" sz="1600" dirty="0" smtClean="0">
                 <a:latin typeface="Open Sans Light"/>
                 <a:cs typeface="Open Sans Light"/>
               </a:rPr>
@@ -5669,20 +5683,13 @@
           <a:p>
             <a:pPr algn="ctr"/>
             <a:r>
-              <a:rPr lang="en-US" dirty="0" smtClean="0">
+              <a:rPr lang="en-US" sz="1600" dirty="0" smtClean="0">
                 <a:latin typeface="Open Sans Light"/>
                 <a:cs typeface="Open Sans Light"/>
               </a:rPr>
-              <a:t>etc</a:t>
-            </a:r>
-            <a:r>
-              <a:rPr lang="en-US" dirty="0" smtClean="0">
-                <a:latin typeface="Open Sans Light"/>
-                <a:cs typeface="Open Sans Light"/>
-              </a:rPr>
-              <a:t>.</a:t>
-            </a:r>
-            <a:endParaRPr lang="en-US" dirty="0">
+              <a:t>etc.</a:t>
+            </a:r>
+            <a:endParaRPr lang="en-US" sz="1600" dirty="0">
               <a:latin typeface="Open Sans Light"/>
               <a:cs typeface="Open Sans Light"/>
             </a:endParaRPr>
@@ -5765,7 +5772,7 @@
         </p:nvSpPr>
         <p:spPr>
           <a:xfrm>
-            <a:off x="5152049" y="2518018"/>
+            <a:off x="5152049" y="2498480"/>
             <a:ext cx="1433828" cy="1229086"/>
           </a:xfrm>
           <a:prstGeom prst="rect">
@@ -5839,7 +5846,7 @@
         </p:nvSpPr>
         <p:spPr>
           <a:xfrm>
-            <a:off x="5283023" y="2611244"/>
+            <a:off x="5283023" y="2591706"/>
             <a:ext cx="1156326" cy="815159"/>
           </a:xfrm>
           <a:prstGeom prst="rect">
@@ -5907,7 +5914,7 @@
         </p:nvSpPr>
         <p:spPr>
           <a:xfrm>
-            <a:off x="5388158" y="2717453"/>
+            <a:off x="5388158" y="2697915"/>
             <a:ext cx="931671" cy="363596"/>
           </a:xfrm>
           <a:prstGeom prst="rect">
@@ -5975,7 +5982,7 @@
         </p:nvSpPr>
         <p:spPr>
           <a:xfrm>
-            <a:off x="906127" y="2023537"/>
+            <a:off x="906127" y="1964923"/>
             <a:ext cx="925579" cy="325801"/>
           </a:xfrm>
           <a:prstGeom prst="rect">
@@ -6045,8 +6052,8 @@
         </p:nvCxnSpPr>
         <p:spPr>
           <a:xfrm flipV="1">
-            <a:off x="1368917" y="1788505"/>
-            <a:ext cx="13790" cy="235032"/>
+            <a:off x="1368917" y="1805674"/>
+            <a:ext cx="0" cy="159249"/>
           </a:xfrm>
           <a:prstGeom prst="straightConnector1">
             <a:avLst/>
@@ -6141,7 +6148,7 @@
         </p:nvSpPr>
         <p:spPr>
           <a:xfrm>
-            <a:off x="1045488" y="3594649"/>
+            <a:off x="1045488" y="3242965"/>
             <a:ext cx="1643337" cy="393318"/>
           </a:xfrm>
           <a:prstGeom prst="rect">
@@ -6220,8 +6227,8 @@
         </p:nvCxnSpPr>
         <p:spPr>
           <a:xfrm flipV="1">
-            <a:off x="2688825" y="3132561"/>
-            <a:ext cx="2463224" cy="658747"/>
+            <a:off x="2688825" y="3113023"/>
+            <a:ext cx="2463224" cy="326601"/>
           </a:xfrm>
           <a:prstGeom prst="straightConnector1">
             <a:avLst/>
@@ -6258,7 +6265,7 @@
         </p:nvSpPr>
         <p:spPr>
           <a:xfrm>
-            <a:off x="5245899" y="5785196"/>
+            <a:off x="5245899" y="5365129"/>
             <a:ext cx="1573897" cy="413595"/>
           </a:xfrm>
           <a:prstGeom prst="rect">
@@ -6330,9 +6337,9 @@
           <p:nvPr/>
         </p:nvCxnSpPr>
         <p:spPr>
-          <a:xfrm>
-            <a:off x="2158413" y="5991994"/>
-            <a:ext cx="3087486" cy="0"/>
+          <a:xfrm flipV="1">
+            <a:off x="2158413" y="5571927"/>
+            <a:ext cx="3087486" cy="19538"/>
           </a:xfrm>
           <a:prstGeom prst="straightConnector1">
             <a:avLst/>
@@ -6437,8 +6444,8 @@
         </p:nvCxnSpPr>
         <p:spPr>
           <a:xfrm>
-            <a:off x="2825466" y="4534917"/>
-            <a:ext cx="2420433" cy="1250279"/>
+            <a:off x="2825466" y="4305001"/>
+            <a:ext cx="1740633" cy="835354"/>
           </a:xfrm>
           <a:prstGeom prst="straightConnector1">
             <a:avLst/>
@@ -6646,8 +6653,8 @@
         </p:nvSpPr>
         <p:spPr>
           <a:xfrm rot="16200000">
-            <a:off x="877913" y="3016763"/>
-            <a:ext cx="5942374" cy="830459"/>
+            <a:off x="1039102" y="2855575"/>
+            <a:ext cx="5619997" cy="830459"/>
           </a:xfrm>
           <a:prstGeom prst="rect">
             <a:avLst/>
@@ -6716,7 +6723,7 @@
         </p:nvCxnSpPr>
         <p:spPr>
           <a:xfrm>
-            <a:off x="2158412" y="5570850"/>
+            <a:off x="2158412" y="5170321"/>
             <a:ext cx="1480865" cy="0"/>
           </a:xfrm>
           <a:prstGeom prst="straightConnector1">
@@ -6812,6 +6819,313 @@
           </a:p>
         </p:txBody>
       </p:sp>
+      <p:cxnSp>
+        <p:nvCxnSpPr>
+          <p:cNvPr id="59" name="Straight Connector 157"/>
+          <p:cNvCxnSpPr>
+            <a:endCxn id="81" idx="3"/>
+          </p:cNvCxnSpPr>
+          <p:nvPr/>
+        </p:nvCxnSpPr>
+        <p:spPr>
+          <a:xfrm flipH="1" flipV="1">
+            <a:off x="6513845" y="4141648"/>
+            <a:ext cx="1021484" cy="316571"/>
+          </a:xfrm>
+          <a:prstGeom prst="straightConnector1">
+            <a:avLst/>
+          </a:prstGeom>
+          <a:ln w="25400">
+            <a:solidFill>
+              <a:schemeClr val="tx1"/>
+            </a:solidFill>
+            <a:prstDash val="dash"/>
+            <a:headEnd type="none" w="lg" len="lg"/>
+            <a:tailEnd type="triangle" w="lg" len="lg"/>
+          </a:ln>
+        </p:spPr>
+        <p:style>
+          <a:lnRef idx="1">
+            <a:schemeClr val="accent1"/>
+          </a:lnRef>
+          <a:fillRef idx="0">
+            <a:schemeClr val="accent1"/>
+          </a:fillRef>
+          <a:effectRef idx="0">
+            <a:schemeClr val="accent1"/>
+          </a:effectRef>
+          <a:fontRef idx="minor">
+            <a:schemeClr val="tx1"/>
+          </a:fontRef>
+        </p:style>
+      </p:cxnSp>
+      <p:sp>
+        <p:nvSpPr>
+          <p:cNvPr id="60" name="Rectangle 59"/>
+          <p:cNvSpPr/>
+          <p:nvPr/>
+        </p:nvSpPr>
+        <p:spPr>
+          <a:xfrm>
+            <a:off x="7347016" y="5308726"/>
+            <a:ext cx="1517946" cy="665050"/>
+          </a:xfrm>
+          <a:prstGeom prst="rect">
+            <a:avLst/>
+          </a:prstGeom>
+          <a:solidFill>
+            <a:schemeClr val="accent1"/>
+          </a:solidFill>
+          <a:ln>
+            <a:solidFill>
+              <a:schemeClr val="bg1"/>
+            </a:solidFill>
+          </a:ln>
+        </p:spPr>
+        <p:style>
+          <a:lnRef idx="2">
+            <a:schemeClr val="accent1">
+              <a:shade val="50000"/>
+            </a:schemeClr>
+          </a:lnRef>
+          <a:fillRef idx="1">
+            <a:schemeClr val="accent1"/>
+          </a:fillRef>
+          <a:effectRef idx="0">
+            <a:schemeClr val="accent1"/>
+          </a:effectRef>
+          <a:fontRef idx="minor">
+            <a:schemeClr val="lt1"/>
+          </a:fontRef>
+        </p:style>
+        <p:txBody>
+          <a:bodyPr lIns="68681" tIns="34340" rIns="68681" bIns="34340" anchor="t"/>
+          <a:lstStyle/>
+          <a:p>
+            <a:pPr defTabSz="343403" eaLnBrk="1" fontAlgn="auto" hangingPunct="1">
+              <a:spcBef>
+                <a:spcPts val="0"/>
+              </a:spcBef>
+              <a:spcAft>
+                <a:spcPts val="0"/>
+              </a:spcAft>
+              <a:defRPr/>
+            </a:pPr>
+            <a:r>
+              <a:rPr lang="en-US" dirty="0" smtClean="0">
+                <a:latin typeface="Open Sans Light" charset="0"/>
+                <a:ea typeface="Open Sans Light" charset="0"/>
+                <a:cs typeface="Open Sans Light" charset="0"/>
+              </a:rPr>
+              <a:t>Algolia</a:t>
+            </a:r>
+            <a:endParaRPr lang="en-US" sz="1800" dirty="0">
+              <a:latin typeface="Open Sans Light" charset="0"/>
+              <a:ea typeface="Open Sans Light" charset="0"/>
+              <a:cs typeface="Open Sans Light" charset="0"/>
+            </a:endParaRPr>
+          </a:p>
+        </p:txBody>
+      </p:sp>
+      <p:cxnSp>
+        <p:nvCxnSpPr>
+          <p:cNvPr id="61" name="Straight Connector 157"/>
+          <p:cNvCxnSpPr>
+            <a:stCxn id="60" idx="0"/>
+            <a:endCxn id="72" idx="2"/>
+          </p:cNvCxnSpPr>
+          <p:nvPr/>
+        </p:nvCxnSpPr>
+        <p:spPr>
+          <a:xfrm flipV="1">
+            <a:off x="8105989" y="4816231"/>
+            <a:ext cx="0" cy="492495"/>
+          </a:xfrm>
+          <a:prstGeom prst="straightConnector1">
+            <a:avLst/>
+          </a:prstGeom>
+          <a:ln w="25400">
+            <a:solidFill>
+              <a:schemeClr val="tx1"/>
+            </a:solidFill>
+            <a:prstDash val="solid"/>
+            <a:headEnd type="none" w="lg" len="lg"/>
+            <a:tailEnd type="triangle" w="lg" len="lg"/>
+          </a:ln>
+        </p:spPr>
+        <p:style>
+          <a:lnRef idx="1">
+            <a:schemeClr val="accent1"/>
+          </a:lnRef>
+          <a:fillRef idx="0">
+            <a:schemeClr val="accent1"/>
+          </a:fillRef>
+          <a:effectRef idx="0">
+            <a:schemeClr val="accent1"/>
+          </a:effectRef>
+          <a:fontRef idx="minor">
+            <a:schemeClr val="tx1"/>
+          </a:fontRef>
+        </p:style>
+      </p:cxnSp>
+      <p:sp>
+        <p:nvSpPr>
+          <p:cNvPr id="70" name="Rectangle 69"/>
+          <p:cNvSpPr/>
+          <p:nvPr/>
+        </p:nvSpPr>
+        <p:spPr>
+          <a:xfrm>
+            <a:off x="892615" y="6083183"/>
+            <a:ext cx="1565723" cy="406623"/>
+          </a:xfrm>
+          <a:prstGeom prst="rect">
+            <a:avLst/>
+          </a:prstGeom>
+          <a:solidFill>
+            <a:srgbClr val="4F81BD"/>
+          </a:solidFill>
+          <a:ln>
+            <a:solidFill>
+              <a:schemeClr val="bg1"/>
+            </a:solidFill>
+          </a:ln>
+        </p:spPr>
+        <p:style>
+          <a:lnRef idx="2">
+            <a:schemeClr val="accent1">
+              <a:shade val="50000"/>
+            </a:schemeClr>
+          </a:lnRef>
+          <a:fillRef idx="1">
+            <a:schemeClr val="accent1"/>
+          </a:fillRef>
+          <a:effectRef idx="0">
+            <a:schemeClr val="accent1"/>
+          </a:effectRef>
+          <a:fontRef idx="minor">
+            <a:schemeClr val="lt1"/>
+          </a:fontRef>
+        </p:style>
+        <p:txBody>
+          <a:bodyPr lIns="68681" tIns="34340" rIns="68681" bIns="34340" anchor="t"/>
+          <a:lstStyle/>
+          <a:p>
+            <a:pPr defTabSz="343403" eaLnBrk="1" fontAlgn="auto" hangingPunct="1">
+              <a:spcBef>
+                <a:spcPts val="0"/>
+              </a:spcBef>
+              <a:spcAft>
+                <a:spcPts val="0"/>
+              </a:spcAft>
+              <a:defRPr/>
+            </a:pPr>
+            <a:r>
+              <a:rPr lang="en-US" sz="1800" dirty="0" smtClean="0">
+                <a:latin typeface="Open Sans Light" charset="0"/>
+                <a:ea typeface="Open Sans Light" charset="0"/>
+                <a:cs typeface="Open Sans Light" charset="0"/>
+              </a:rPr>
+              <a:t>assets </a:t>
+            </a:r>
+            <a:r>
+              <a:rPr lang="en-US" sz="1800" dirty="0" smtClean="0">
+                <a:latin typeface="Open Sans Light" charset="0"/>
+                <a:ea typeface="Open Sans Light" charset="0"/>
+                <a:cs typeface="Open Sans Light" charset="0"/>
+              </a:rPr>
+              <a:t>folder</a:t>
+            </a:r>
+            <a:endParaRPr lang="en-US" sz="1800" dirty="0">
+              <a:latin typeface="Open Sans Light" charset="0"/>
+              <a:ea typeface="Open Sans Light" charset="0"/>
+              <a:cs typeface="Open Sans Light" charset="0"/>
+            </a:endParaRPr>
+          </a:p>
+        </p:txBody>
+      </p:sp>
+      <p:cxnSp>
+        <p:nvCxnSpPr>
+          <p:cNvPr id="71" name="Straight Connector 157"/>
+          <p:cNvCxnSpPr>
+            <a:stCxn id="60" idx="2"/>
+            <a:endCxn id="70" idx="3"/>
+          </p:cNvCxnSpPr>
+          <p:nvPr/>
+        </p:nvCxnSpPr>
+        <p:spPr>
+          <a:xfrm rot="5400000">
+            <a:off x="5125805" y="3306310"/>
+            <a:ext cx="312719" cy="5647651"/>
+          </a:xfrm>
+          <a:prstGeom prst="bentConnector2">
+            <a:avLst/>
+          </a:prstGeom>
+          <a:ln w="25400">
+            <a:solidFill>
+              <a:schemeClr val="tx1"/>
+            </a:solidFill>
+            <a:prstDash val="solid"/>
+            <a:headEnd type="none" w="lg" len="lg"/>
+            <a:tailEnd type="triangle" w="lg" len="lg"/>
+          </a:ln>
+        </p:spPr>
+        <p:style>
+          <a:lnRef idx="1">
+            <a:schemeClr val="accent1"/>
+          </a:lnRef>
+          <a:fillRef idx="0">
+            <a:schemeClr val="accent1"/>
+          </a:fillRef>
+          <a:effectRef idx="0">
+            <a:schemeClr val="accent1"/>
+          </a:effectRef>
+          <a:fontRef idx="minor">
+            <a:schemeClr val="tx1"/>
+          </a:fontRef>
+        </p:style>
+      </p:cxnSp>
+      <p:cxnSp>
+        <p:nvCxnSpPr>
+          <p:cNvPr id="73" name="Straight Connector 157"/>
+          <p:cNvCxnSpPr>
+            <a:stCxn id="70" idx="3"/>
+            <a:endCxn id="53" idx="2"/>
+          </p:cNvCxnSpPr>
+          <p:nvPr/>
+        </p:nvCxnSpPr>
+        <p:spPr>
+          <a:xfrm flipV="1">
+            <a:off x="2458338" y="6080803"/>
+            <a:ext cx="3338093" cy="205692"/>
+          </a:xfrm>
+          <a:prstGeom prst="straightConnector1">
+            <a:avLst/>
+          </a:prstGeom>
+          <a:ln w="25400">
+            <a:solidFill>
+              <a:schemeClr val="tx1"/>
+            </a:solidFill>
+            <a:prstDash val="solid"/>
+            <a:headEnd type="none" w="lg" len="lg"/>
+            <a:tailEnd type="triangle" w="lg" len="lg"/>
+          </a:ln>
+        </p:spPr>
+        <p:style>
+          <a:lnRef idx="1">
+            <a:schemeClr val="accent1"/>
+          </a:lnRef>
+          <a:fillRef idx="0">
+            <a:schemeClr val="accent1"/>
+          </a:fillRef>
+          <a:effectRef idx="0">
+            <a:schemeClr val="accent1"/>
+          </a:effectRef>
+          <a:fontRef idx="minor">
+            <a:schemeClr val="tx1"/>
+          </a:fontRef>
+        </p:style>
+      </p:cxnSp>
     </p:spTree>
     <p:extLst>
       <p:ext uri="{BB962C8B-B14F-4D97-AF65-F5344CB8AC3E}">
@@ -8393,6 +8707,204 @@
                                   </p:childTnLst>
                                 </p:cTn>
                               </p:par>
+                              <p:par>
+                                <p:cTn id="131" presetID="1" presetClass="entr" presetSubtype="0" fill="hold" nodeType="withEffect">
+                                  <p:stCondLst>
+                                    <p:cond delay="0"/>
+                                  </p:stCondLst>
+                                  <p:childTnLst>
+                                    <p:set>
+                                      <p:cBhvr>
+                                        <p:cTn id="132" dur="1" fill="hold">
+                                          <p:stCondLst>
+                                            <p:cond delay="0"/>
+                                          </p:stCondLst>
+                                        </p:cTn>
+                                        <p:tgtEl>
+                                          <p:spTgt spid="59"/>
+                                        </p:tgtEl>
+                                        <p:attrNameLst>
+                                          <p:attrName>style.visibility</p:attrName>
+                                        </p:attrNameLst>
+                                      </p:cBhvr>
+                                      <p:to>
+                                        <p:strVal val="visible"/>
+                                      </p:to>
+                                    </p:set>
+                                  </p:childTnLst>
+                                </p:cTn>
+                              </p:par>
+                            </p:childTnLst>
+                          </p:cTn>
+                        </p:par>
+                      </p:childTnLst>
+                    </p:cTn>
+                  </p:par>
+                  <p:par>
+                    <p:cTn id="133" fill="hold">
+                      <p:stCondLst>
+                        <p:cond delay="indefinite"/>
+                      </p:stCondLst>
+                      <p:childTnLst>
+                        <p:par>
+                          <p:cTn id="134" fill="hold">
+                            <p:stCondLst>
+                              <p:cond delay="0"/>
+                            </p:stCondLst>
+                            <p:childTnLst>
+                              <p:par>
+                                <p:cTn id="135" presetID="1" presetClass="entr" presetSubtype="0" fill="hold" grpId="0" nodeType="clickEffect">
+                                  <p:stCondLst>
+                                    <p:cond delay="0"/>
+                                  </p:stCondLst>
+                                  <p:childTnLst>
+                                    <p:set>
+                                      <p:cBhvr>
+                                        <p:cTn id="136" dur="1" fill="hold">
+                                          <p:stCondLst>
+                                            <p:cond delay="0"/>
+                                          </p:stCondLst>
+                                        </p:cTn>
+                                        <p:tgtEl>
+                                          <p:spTgt spid="60"/>
+                                        </p:tgtEl>
+                                        <p:attrNameLst>
+                                          <p:attrName>style.visibility</p:attrName>
+                                        </p:attrNameLst>
+                                      </p:cBhvr>
+                                      <p:to>
+                                        <p:strVal val="visible"/>
+                                      </p:to>
+                                    </p:set>
+                                  </p:childTnLst>
+                                </p:cTn>
+                              </p:par>
+                              <p:par>
+                                <p:cTn id="137" presetID="1" presetClass="entr" presetSubtype="0" fill="hold" nodeType="withEffect">
+                                  <p:stCondLst>
+                                    <p:cond delay="0"/>
+                                  </p:stCondLst>
+                                  <p:childTnLst>
+                                    <p:set>
+                                      <p:cBhvr>
+                                        <p:cTn id="138" dur="1" fill="hold">
+                                          <p:stCondLst>
+                                            <p:cond delay="0"/>
+                                          </p:stCondLst>
+                                        </p:cTn>
+                                        <p:tgtEl>
+                                          <p:spTgt spid="61"/>
+                                        </p:tgtEl>
+                                        <p:attrNameLst>
+                                          <p:attrName>style.visibility</p:attrName>
+                                        </p:attrNameLst>
+                                      </p:cBhvr>
+                                      <p:to>
+                                        <p:strVal val="visible"/>
+                                      </p:to>
+                                    </p:set>
+                                  </p:childTnLst>
+                                </p:cTn>
+                              </p:par>
+                            </p:childTnLst>
+                          </p:cTn>
+                        </p:par>
+                      </p:childTnLst>
+                    </p:cTn>
+                  </p:par>
+                  <p:par>
+                    <p:cTn id="139" fill="hold">
+                      <p:stCondLst>
+                        <p:cond delay="indefinite"/>
+                      </p:stCondLst>
+                      <p:childTnLst>
+                        <p:par>
+                          <p:cTn id="140" fill="hold">
+                            <p:stCondLst>
+                              <p:cond delay="0"/>
+                            </p:stCondLst>
+                            <p:childTnLst>
+                              <p:par>
+                                <p:cTn id="141" presetID="1" presetClass="entr" presetSubtype="0" fill="hold" grpId="0" nodeType="clickEffect">
+                                  <p:stCondLst>
+                                    <p:cond delay="0"/>
+                                  </p:stCondLst>
+                                  <p:childTnLst>
+                                    <p:set>
+                                      <p:cBhvr>
+                                        <p:cTn id="142" dur="1" fill="hold">
+                                          <p:stCondLst>
+                                            <p:cond delay="0"/>
+                                          </p:stCondLst>
+                                        </p:cTn>
+                                        <p:tgtEl>
+                                          <p:spTgt spid="70"/>
+                                        </p:tgtEl>
+                                        <p:attrNameLst>
+                                          <p:attrName>style.visibility</p:attrName>
+                                        </p:attrNameLst>
+                                      </p:cBhvr>
+                                      <p:to>
+                                        <p:strVal val="visible"/>
+                                      </p:to>
+                                    </p:set>
+                                  </p:childTnLst>
+                                </p:cTn>
+                              </p:par>
+                              <p:par>
+                                <p:cTn id="143" presetID="1" presetClass="entr" presetSubtype="0" fill="hold" nodeType="withEffect">
+                                  <p:stCondLst>
+                                    <p:cond delay="0"/>
+                                  </p:stCondLst>
+                                  <p:childTnLst>
+                                    <p:set>
+                                      <p:cBhvr>
+                                        <p:cTn id="144" dur="1" fill="hold">
+                                          <p:stCondLst>
+                                            <p:cond delay="0"/>
+                                          </p:stCondLst>
+                                        </p:cTn>
+                                        <p:tgtEl>
+                                          <p:spTgt spid="71"/>
+                                        </p:tgtEl>
+                                        <p:attrNameLst>
+                                          <p:attrName>style.visibility</p:attrName>
+                                        </p:attrNameLst>
+                                      </p:cBhvr>
+                                      <p:to>
+                                        <p:strVal val="visible"/>
+                                      </p:to>
+                                    </p:set>
+                                  </p:childTnLst>
+                                </p:cTn>
+                              </p:par>
+                              <p:par>
+                                <p:cTn id="145" presetID="1" presetClass="entr" presetSubtype="0" fill="hold" nodeType="withEffect">
+                                  <p:stCondLst>
+                                    <p:cond delay="0"/>
+                                  </p:stCondLst>
+                                  <p:childTnLst>
+                                    <p:set>
+                                      <p:cBhvr>
+                                        <p:cTn id="146" dur="1" fill="hold">
+                                          <p:stCondLst>
+                                            <p:cond delay="0"/>
+                                          </p:stCondLst>
+                                        </p:cTn>
+                                        <p:tgtEl>
+                                          <p:spTgt spid="73"/>
+                                        </p:tgtEl>
+                                        <p:attrNameLst>
+                                          <p:attrName>style.visibility</p:attrName>
+                                        </p:attrNameLst>
+                                      </p:cBhvr>
+                                      <p:to>
+                                        <p:strVal val="visible"/>
+                                      </p:to>
+                                    </p:set>
+                                  </p:childTnLst>
+                                </p:cTn>
+                              </p:par>
                             </p:childTnLst>
                           </p:cTn>
                         </p:par>
@@ -8454,6 +8966,8 @@
       <p:bldP spid="246" grpId="0" animBg="1"/>
       <p:bldP spid="241" grpId="0" animBg="1"/>
       <p:bldP spid="108" grpId="0" animBg="1"/>
+      <p:bldP spid="60" grpId="0" animBg="1"/>
+      <p:bldP spid="70" grpId="0" animBg="1"/>
     </p:bldLst>
   </p:timing>
 </p:sld>

--- a/fig/website-dependencies-v01.pptx
+++ b/fig/website-dependencies-v01.pptx
@@ -192,7 +192,7 @@
           <a:p>
             <a:fld id="{B2B5ABE0-9405-7B4D-B9EA-CE78F3455015}" type="datetimeFigureOut">
               <a:rPr lang="en-US" smtClean="0"/>
-              <a:t>6/30/16</a:t>
+              <a:t>7/6/16</a:t>
             </a:fld>
             <a:endParaRPr lang="en-US"/>
           </a:p>
@@ -977,7 +977,7 @@
           <a:p>
             <a:fld id="{61EC71F1-B3E0-DD4C-B030-8B42C148BEB6}" type="datetimeFigureOut">
               <a:rPr lang="en-US" smtClean="0"/>
-              <a:t>6/30/16</a:t>
+              <a:t>7/6/16</a:t>
             </a:fld>
             <a:endParaRPr lang="en-US"/>
           </a:p>
@@ -1147,7 +1147,7 @@
           <a:p>
             <a:fld id="{61EC71F1-B3E0-DD4C-B030-8B42C148BEB6}" type="datetimeFigureOut">
               <a:rPr lang="en-US" smtClean="0"/>
-              <a:t>6/30/16</a:t>
+              <a:t>7/6/16</a:t>
             </a:fld>
             <a:endParaRPr lang="en-US"/>
           </a:p>
@@ -1327,7 +1327,7 @@
           <a:p>
             <a:fld id="{61EC71F1-B3E0-DD4C-B030-8B42C148BEB6}" type="datetimeFigureOut">
               <a:rPr lang="en-US" smtClean="0"/>
-              <a:t>6/30/16</a:t>
+              <a:t>7/6/16</a:t>
             </a:fld>
             <a:endParaRPr lang="en-US"/>
           </a:p>
@@ -1497,7 +1497,7 @@
           <a:p>
             <a:fld id="{61EC71F1-B3E0-DD4C-B030-8B42C148BEB6}" type="datetimeFigureOut">
               <a:rPr lang="en-US" smtClean="0"/>
-              <a:t>6/30/16</a:t>
+              <a:t>7/6/16</a:t>
             </a:fld>
             <a:endParaRPr lang="en-US"/>
           </a:p>
@@ -1743,7 +1743,7 @@
           <a:p>
             <a:fld id="{61EC71F1-B3E0-DD4C-B030-8B42C148BEB6}" type="datetimeFigureOut">
               <a:rPr lang="en-US" smtClean="0"/>
-              <a:t>6/30/16</a:t>
+              <a:t>7/6/16</a:t>
             </a:fld>
             <a:endParaRPr lang="en-US"/>
           </a:p>
@@ -2031,7 +2031,7 @@
           <a:p>
             <a:fld id="{61EC71F1-B3E0-DD4C-B030-8B42C148BEB6}" type="datetimeFigureOut">
               <a:rPr lang="en-US" smtClean="0"/>
-              <a:t>6/30/16</a:t>
+              <a:t>7/6/16</a:t>
             </a:fld>
             <a:endParaRPr lang="en-US"/>
           </a:p>
@@ -2453,7 +2453,7 @@
           <a:p>
             <a:fld id="{61EC71F1-B3E0-DD4C-B030-8B42C148BEB6}" type="datetimeFigureOut">
               <a:rPr lang="en-US" smtClean="0"/>
-              <a:t>6/30/16</a:t>
+              <a:t>7/6/16</a:t>
             </a:fld>
             <a:endParaRPr lang="en-US"/>
           </a:p>
@@ -2571,7 +2571,7 @@
           <a:p>
             <a:fld id="{61EC71F1-B3E0-DD4C-B030-8B42C148BEB6}" type="datetimeFigureOut">
               <a:rPr lang="en-US" smtClean="0"/>
-              <a:t>6/30/16</a:t>
+              <a:t>7/6/16</a:t>
             </a:fld>
             <a:endParaRPr lang="en-US"/>
           </a:p>
@@ -2666,7 +2666,7 @@
           <a:p>
             <a:fld id="{61EC71F1-B3E0-DD4C-B030-8B42C148BEB6}" type="datetimeFigureOut">
               <a:rPr lang="en-US" smtClean="0"/>
-              <a:t>6/30/16</a:t>
+              <a:t>7/6/16</a:t>
             </a:fld>
             <a:endParaRPr lang="en-US"/>
           </a:p>
@@ -2943,7 +2943,7 @@
           <a:p>
             <a:fld id="{61EC71F1-B3E0-DD4C-B030-8B42C148BEB6}" type="datetimeFigureOut">
               <a:rPr lang="en-US" smtClean="0"/>
-              <a:t>6/30/16</a:t>
+              <a:t>7/6/16</a:t>
             </a:fld>
             <a:endParaRPr lang="en-US"/>
           </a:p>
@@ -3196,7 +3196,7 @@
           <a:p>
             <a:fld id="{61EC71F1-B3E0-DD4C-B030-8B42C148BEB6}" type="datetimeFigureOut">
               <a:rPr lang="en-US" smtClean="0"/>
-              <a:t>6/30/16</a:t>
+              <a:t>7/6/16</a:t>
             </a:fld>
             <a:endParaRPr lang="en-US"/>
           </a:p>
@@ -3409,7 +3409,7 @@
           <a:p>
             <a:fld id="{61EC71F1-B3E0-DD4C-B030-8B42C148BEB6}" type="datetimeFigureOut">
               <a:rPr lang="en-US" smtClean="0"/>
-              <a:t>6/30/16</a:t>
+              <a:t>7/6/16</a:t>
             </a:fld>
             <a:endParaRPr lang="en-US"/>
           </a:p>
@@ -3860,8 +3860,8 @@
         </p:nvSpPr>
         <p:spPr>
           <a:xfrm>
-            <a:off x="4468135" y="460808"/>
-            <a:ext cx="2656592" cy="5619995"/>
+            <a:off x="4640384" y="460808"/>
+            <a:ext cx="2455035" cy="5619995"/>
           </a:xfrm>
           <a:prstGeom prst="rect">
             <a:avLst/>
@@ -4855,7 +4855,7 @@
         <p:spPr>
           <a:xfrm>
             <a:off x="5275111" y="1974221"/>
-            <a:ext cx="1164238" cy="369332"/>
+            <a:ext cx="1199868" cy="369332"/>
           </a:xfrm>
           <a:prstGeom prst="rect">
             <a:avLst/>
@@ -4869,10 +4869,10 @@
           <a:lstStyle/>
           <a:p>
             <a:r>
-              <a:rPr lang="en-US" dirty="0" smtClean="0"/>
+              <a:rPr lang="en-US" i="1" dirty="0" smtClean="0"/>
               <a:t>in-line CSS</a:t>
             </a:r>
-            <a:endParaRPr lang="en-US" dirty="0"/>
+            <a:endParaRPr lang="en-US" i="1" dirty="0"/>
           </a:p>
         </p:txBody>
       </p:sp>
@@ -5303,8 +5303,8 @@
         </p:nvSpPr>
         <p:spPr>
           <a:xfrm>
-            <a:off x="4605175" y="5003588"/>
-            <a:ext cx="2373637" cy="882265"/>
+            <a:off x="4894692" y="5003588"/>
+            <a:ext cx="1935299" cy="882265"/>
           </a:xfrm>
           <a:prstGeom prst="rect">
             <a:avLst/>
@@ -5589,8 +5589,8 @@
         </p:nvCxnSpPr>
         <p:spPr>
           <a:xfrm flipH="1">
-            <a:off x="7099070" y="3018824"/>
-            <a:ext cx="710656" cy="0"/>
+            <a:off x="7099070" y="2911365"/>
+            <a:ext cx="436259" cy="0"/>
           </a:xfrm>
           <a:prstGeom prst="straightConnector1">
             <a:avLst/>
@@ -5663,14 +5663,21 @@
                 <a:latin typeface="Open Sans Light"/>
                 <a:cs typeface="Open Sans Light"/>
               </a:rPr>
-              <a:t>jpg, </a:t>
-            </a:r>
-            <a:r>
-              <a:rPr lang="en-US" sz="1600" dirty="0" err="1" smtClean="0">
+              <a:t>.jpg</a:t>
+            </a:r>
+            <a:r>
+              <a:rPr lang="en-US" sz="1600" dirty="0" smtClean="0">
                 <a:latin typeface="Open Sans Light"/>
                 <a:cs typeface="Open Sans Light"/>
               </a:rPr>
-              <a:t>png</a:t>
+              <a:t>, </a:t>
+            </a:r>
+            <a:r>
+              <a:rPr lang="en-US" sz="1600" dirty="0" smtClean="0">
+                <a:latin typeface="Open Sans Light"/>
+                <a:cs typeface="Open Sans Light"/>
+              </a:rPr>
+              <a:t>.png</a:t>
             </a:r>
             <a:r>
               <a:rPr lang="en-US" sz="1600" dirty="0" smtClean="0">
@@ -5687,7 +5694,14 @@
                 <a:latin typeface="Open Sans Light"/>
                 <a:cs typeface="Open Sans Light"/>
               </a:rPr>
-              <a:t>etc.</a:t>
+              <a:t>.git, etc</a:t>
+            </a:r>
+            <a:r>
+              <a:rPr lang="en-US" sz="1600" dirty="0" smtClean="0">
+                <a:latin typeface="Open Sans Light"/>
+                <a:cs typeface="Open Sans Light"/>
+              </a:rPr>
+              <a:t>.</a:t>
             </a:r>
             <a:endParaRPr lang="en-US" sz="1600" dirty="0">
               <a:latin typeface="Open Sans Light"/>
@@ -6266,7 +6280,7 @@
         <p:spPr>
           <a:xfrm>
             <a:off x="5245899" y="5365129"/>
-            <a:ext cx="1573897" cy="413595"/>
+            <a:ext cx="1427785" cy="413595"/>
           </a:xfrm>
           <a:prstGeom prst="rect">
             <a:avLst/>
@@ -6445,7 +6459,7 @@
         <p:spPr>
           <a:xfrm>
             <a:off x="2825466" y="4305001"/>
-            <a:ext cx="1740633" cy="835354"/>
+            <a:ext cx="2069226" cy="835354"/>
           </a:xfrm>
           <a:prstGeom prst="straightConnector1">
             <a:avLst/>
@@ -6653,7 +6667,7 @@
         </p:nvSpPr>
         <p:spPr>
           <a:xfrm rot="16200000">
-            <a:off x="1039102" y="2855575"/>
+            <a:off x="1136792" y="2855575"/>
             <a:ext cx="5619997" cy="830459"/>
           </a:xfrm>
           <a:prstGeom prst="rect">
@@ -7026,15 +7040,7 @@
                 <a:ea typeface="Open Sans Light" charset="0"/>
                 <a:cs typeface="Open Sans Light" charset="0"/>
               </a:rPr>
-              <a:t>assets </a:t>
-            </a:r>
-            <a:r>
-              <a:rPr lang="en-US" sz="1800" dirty="0" smtClean="0">
-                <a:latin typeface="Open Sans Light" charset="0"/>
-                <a:ea typeface="Open Sans Light" charset="0"/>
-                <a:cs typeface="Open Sans Light" charset="0"/>
-              </a:rPr>
-              <a:t>folder</a:t>
+              <a:t>assets folder</a:t>
             </a:r>
             <a:endParaRPr lang="en-US" sz="1800" dirty="0">
               <a:latin typeface="Open Sans Light" charset="0"/>
@@ -7097,7 +7103,7 @@
         <p:spPr>
           <a:xfrm flipV="1">
             <a:off x="2458338" y="6080803"/>
-            <a:ext cx="3338093" cy="205692"/>
+            <a:ext cx="3409564" cy="205692"/>
           </a:xfrm>
           <a:prstGeom prst="straightConnector1">
             <a:avLst/>
